--- a/Trabajo Final Integrador Programación 1/Programacion 1 - TP Final Integrador - Rodrigo Aguirre y Fernando Aguillón.pptx
+++ b/Trabajo Final Integrador Programación 1/Programacion 1 - TP Final Integrador - Rodrigo Aguirre y Fernando Aguillón.pptx
@@ -16,8 +16,8 @@
     <p:sldId id="409" r:id="rId7"/>
     <p:sldId id="411" r:id="rId8"/>
     <p:sldId id="391" r:id="rId9"/>
-    <p:sldId id="397" r:id="rId10"/>
-    <p:sldId id="408" r:id="rId11"/>
+    <p:sldId id="408" r:id="rId10"/>
+    <p:sldId id="412" r:id="rId11"/>
     <p:sldId id="398" r:id="rId12"/>
   </p:sldIdLst>
   <p:sldSz cx="12192000" cy="6858000"/>
@@ -143,7 +143,7 @@
 <file path=ppt/revisionInfo.xml><?xml version="1.0" encoding="utf-8"?>
 <p1510:revInfo xmlns:a="http://schemas.openxmlformats.org/drawingml/2006/main" xmlns:r="http://schemas.openxmlformats.org/officeDocument/2006/relationships" xmlns:p1510="http://schemas.microsoft.com/office/powerpoint/2015/10/main">
   <p1510:revLst>
-    <p1510:client id="{67C10692-9E20-4503-BE1F-EE6FEB130C0A}" v="3" dt="2025-06-09T23:48:32.479"/>
+    <p1510:client id="{67C10692-9E20-4503-BE1F-EE6FEB130C0A}" v="7" dt="2025-06-10T04:30:31.483"/>
   </p1510:revLst>
 </p1510:revInfo>
 </file>
@@ -177,7 +177,7 @@
   <pc:docChgLst>
     <pc:chgData name="rodrigo" userId="1066b43c39e8cb61" providerId="LiveId" clId="{67C10692-9E20-4503-BE1F-EE6FEB130C0A}"/>
     <pc:docChg chg="undo custSel addSld delSld modSld sldOrd">
-      <pc:chgData name="rodrigo" userId="1066b43c39e8cb61" providerId="LiveId" clId="{67C10692-9E20-4503-BE1F-EE6FEB130C0A}" dt="2025-06-10T00:21:45.540" v="842" actId="20577"/>
+      <pc:chgData name="rodrigo" userId="1066b43c39e8cb61" providerId="LiveId" clId="{67C10692-9E20-4503-BE1F-EE6FEB130C0A}" dt="2025-06-10T11:30:24.126" v="1938" actId="207"/>
       <pc:docMkLst>
         <pc:docMk/>
       </pc:docMkLst>
@@ -189,13 +189,13 @@
         </pc:sldMkLst>
       </pc:sldChg>
       <pc:sldChg chg="modSp mod ord">
-        <pc:chgData name="rodrigo" userId="1066b43c39e8cb61" providerId="LiveId" clId="{67C10692-9E20-4503-BE1F-EE6FEB130C0A}" dt="2025-06-09T23:40:05.500" v="407" actId="20577"/>
+        <pc:chgData name="rodrigo" userId="1066b43c39e8cb61" providerId="LiveId" clId="{67C10692-9E20-4503-BE1F-EE6FEB130C0A}" dt="2025-06-10T10:19:00.438" v="1542" actId="14100"/>
         <pc:sldMkLst>
           <pc:docMk/>
           <pc:sldMk cId="1440871986" sldId="389"/>
         </pc:sldMkLst>
         <pc:spChg chg="mod">
-          <ac:chgData name="rodrigo" userId="1066b43c39e8cb61" providerId="LiveId" clId="{67C10692-9E20-4503-BE1F-EE6FEB130C0A}" dt="2025-06-09T23:40:05.500" v="407" actId="20577"/>
+          <ac:chgData name="rodrigo" userId="1066b43c39e8cb61" providerId="LiveId" clId="{67C10692-9E20-4503-BE1F-EE6FEB130C0A}" dt="2025-06-10T10:19:00.438" v="1542" actId="14100"/>
           <ac:spMkLst>
             <pc:docMk/>
             <pc:sldMk cId="1440871986" sldId="389"/>
@@ -204,7 +204,172 @@
         </pc:spChg>
       </pc:sldChg>
       <pc:sldChg chg="addSp delSp modSp mod">
-        <pc:chgData name="rodrigo" userId="1066b43c39e8cb61" providerId="LiveId" clId="{67C10692-9E20-4503-BE1F-EE6FEB130C0A}" dt="2025-06-10T00:18:54.253" v="826" actId="1076"/>
+        <pc:chgData name="rodrigo" userId="1066b43c39e8cb61" providerId="LiveId" clId="{67C10692-9E20-4503-BE1F-EE6FEB130C0A}" dt="2025-06-10T04:42:39.565" v="1474" actId="20577"/>
+        <pc:sldMkLst>
+          <pc:docMk/>
+          <pc:sldMk cId="3200312026" sldId="391"/>
+        </pc:sldMkLst>
+        <pc:spChg chg="mod">
+          <ac:chgData name="rodrigo" userId="1066b43c39e8cb61" providerId="LiveId" clId="{67C10692-9E20-4503-BE1F-EE6FEB130C0A}" dt="2025-06-10T01:10:14.037" v="1224" actId="313"/>
+          <ac:spMkLst>
+            <pc:docMk/>
+            <pc:sldMk cId="3200312026" sldId="391"/>
+            <ac:spMk id="3" creationId="{545D3755-C3E2-975E-DE68-CDECC4B526EC}"/>
+          </ac:spMkLst>
+        </pc:spChg>
+        <pc:spChg chg="del">
+          <ac:chgData name="rodrigo" userId="1066b43c39e8cb61" providerId="LiveId" clId="{67C10692-9E20-4503-BE1F-EE6FEB130C0A}" dt="2025-06-10T01:01:58.480" v="986" actId="478"/>
+          <ac:spMkLst>
+            <pc:docMk/>
+            <pc:sldMk cId="3200312026" sldId="391"/>
+            <ac:spMk id="5" creationId="{C6F7A441-4AAB-2A52-F3B6-B620AEBFA467}"/>
+          </ac:spMkLst>
+        </pc:spChg>
+        <pc:spChg chg="add del mod">
+          <ac:chgData name="rodrigo" userId="1066b43c39e8cb61" providerId="LiveId" clId="{67C10692-9E20-4503-BE1F-EE6FEB130C0A}" dt="2025-06-10T01:02:11.009" v="989" actId="478"/>
+          <ac:spMkLst>
+            <pc:docMk/>
+            <pc:sldMk cId="3200312026" sldId="391"/>
+            <ac:spMk id="6" creationId="{91329CE5-BA98-1C30-2A69-40A3F9C8CECE}"/>
+          </ac:spMkLst>
+        </pc:spChg>
+        <pc:spChg chg="add del mod">
+          <ac:chgData name="rodrigo" userId="1066b43c39e8cb61" providerId="LiveId" clId="{67C10692-9E20-4503-BE1F-EE6FEB130C0A}" dt="2025-06-10T04:42:39.565" v="1474" actId="20577"/>
+          <ac:spMkLst>
+            <pc:docMk/>
+            <pc:sldMk cId="3200312026" sldId="391"/>
+            <ac:spMk id="7" creationId="{F70BD87D-F7DA-961B-4024-A354DC87D168}"/>
+          </ac:spMkLst>
+        </pc:spChg>
+        <pc:picChg chg="del">
+          <ac:chgData name="rodrigo" userId="1066b43c39e8cb61" providerId="LiveId" clId="{67C10692-9E20-4503-BE1F-EE6FEB130C0A}" dt="2025-06-10T00:56:19.093" v="893" actId="478"/>
+          <ac:picMkLst>
+            <pc:docMk/>
+            <pc:sldMk cId="3200312026" sldId="391"/>
+            <ac:picMk id="4" creationId="{8BF1F5EB-21A5-9AD7-53A8-CEEAB06A41BE}"/>
+          </ac:picMkLst>
+        </pc:picChg>
+        <pc:picChg chg="add mod">
+          <ac:chgData name="rodrigo" userId="1066b43c39e8cb61" providerId="LiveId" clId="{67C10692-9E20-4503-BE1F-EE6FEB130C0A}" dt="2025-06-10T01:09:08.972" v="1217" actId="14100"/>
+          <ac:picMkLst>
+            <pc:docMk/>
+            <pc:sldMk cId="3200312026" sldId="391"/>
+            <ac:picMk id="9" creationId="{A5F927F2-2EB5-E9C4-842F-95F45FB29928}"/>
+          </ac:picMkLst>
+        </pc:picChg>
+      </pc:sldChg>
+      <pc:sldChg chg="addSp delSp modSp del mod">
+        <pc:chgData name="rodrigo" userId="1066b43c39e8cb61" providerId="LiveId" clId="{67C10692-9E20-4503-BE1F-EE6FEB130C0A}" dt="2025-06-10T01:11:07.878" v="1228" actId="47"/>
+        <pc:sldMkLst>
+          <pc:docMk/>
+          <pc:sldMk cId="2039059756" sldId="397"/>
+        </pc:sldMkLst>
+        <pc:spChg chg="del">
+          <ac:chgData name="rodrigo" userId="1066b43c39e8cb61" providerId="LiveId" clId="{67C10692-9E20-4503-BE1F-EE6FEB130C0A}" dt="2025-06-10T01:11:00.537" v="1227" actId="478"/>
+          <ac:spMkLst>
+            <pc:docMk/>
+            <pc:sldMk cId="2039059756" sldId="397"/>
+            <ac:spMk id="3" creationId="{591442CD-A26D-1761-8CE7-8BC3075BB4ED}"/>
+          </ac:spMkLst>
+        </pc:spChg>
+        <pc:spChg chg="add mod">
+          <ac:chgData name="rodrigo" userId="1066b43c39e8cb61" providerId="LiveId" clId="{67C10692-9E20-4503-BE1F-EE6FEB130C0A}" dt="2025-06-10T01:10:48.001" v="1226" actId="478"/>
+          <ac:spMkLst>
+            <pc:docMk/>
+            <pc:sldMk cId="2039059756" sldId="397"/>
+            <ac:spMk id="5" creationId="{E6736C79-C06F-F306-8B4C-BD673356A946}"/>
+          </ac:spMkLst>
+        </pc:spChg>
+        <pc:spChg chg="add mod">
+          <ac:chgData name="rodrigo" userId="1066b43c39e8cb61" providerId="LiveId" clId="{67C10692-9E20-4503-BE1F-EE6FEB130C0A}" dt="2025-06-10T01:11:00.537" v="1227" actId="478"/>
+          <ac:spMkLst>
+            <pc:docMk/>
+            <pc:sldMk cId="2039059756" sldId="397"/>
+            <ac:spMk id="7" creationId="{E650D6BB-1EED-A027-ACA1-EAADAE766E4A}"/>
+          </ac:spMkLst>
+        </pc:spChg>
+        <pc:spChg chg="del">
+          <ac:chgData name="rodrigo" userId="1066b43c39e8cb61" providerId="LiveId" clId="{67C10692-9E20-4503-BE1F-EE6FEB130C0A}" dt="2025-06-10T01:10:48.001" v="1226" actId="478"/>
+          <ac:spMkLst>
+            <pc:docMk/>
+            <pc:sldMk cId="2039059756" sldId="397"/>
+            <ac:spMk id="9" creationId="{5AB6D40A-2A0A-AF3D-8CF7-3ECD37765637}"/>
+          </ac:spMkLst>
+        </pc:spChg>
+        <pc:picChg chg="del">
+          <ac:chgData name="rodrigo" userId="1066b43c39e8cb61" providerId="LiveId" clId="{67C10692-9E20-4503-BE1F-EE6FEB130C0A}" dt="2025-06-10T01:10:43.910" v="1225" actId="478"/>
+          <ac:picMkLst>
+            <pc:docMk/>
+            <pc:sldMk cId="2039059756" sldId="397"/>
+            <ac:picMk id="4" creationId="{4D64AAF9-C814-6E63-8A99-87ACFF3C2845}"/>
+          </ac:picMkLst>
+        </pc:picChg>
+      </pc:sldChg>
+      <pc:sldChg chg="addSp delSp modSp mod">
+        <pc:chgData name="rodrigo" userId="1066b43c39e8cb61" providerId="LiveId" clId="{67C10692-9E20-4503-BE1F-EE6FEB130C0A}" dt="2025-06-10T04:31:00.921" v="1471" actId="14734"/>
+        <pc:sldMkLst>
+          <pc:docMk/>
+          <pc:sldMk cId="888484295" sldId="408"/>
+        </pc:sldMkLst>
+        <pc:spChg chg="del">
+          <ac:chgData name="rodrigo" userId="1066b43c39e8cb61" providerId="LiveId" clId="{67C10692-9E20-4503-BE1F-EE6FEB130C0A}" dt="2025-06-10T01:11:15.761" v="1230" actId="478"/>
+          <ac:spMkLst>
+            <pc:docMk/>
+            <pc:sldMk cId="888484295" sldId="408"/>
+            <ac:spMk id="2" creationId="{805346ED-721D-85EE-2F1B-A31D0912DE29}"/>
+          </ac:spMkLst>
+        </pc:spChg>
+        <pc:spChg chg="del mod">
+          <ac:chgData name="rodrigo" userId="1066b43c39e8cb61" providerId="LiveId" clId="{67C10692-9E20-4503-BE1F-EE6FEB130C0A}" dt="2025-06-10T01:12:42.990" v="1371" actId="478"/>
+          <ac:spMkLst>
+            <pc:docMk/>
+            <pc:sldMk cId="888484295" sldId="408"/>
+            <ac:spMk id="3" creationId="{DB097449-5B72-ADA0-3B2D-1CBC160D6B90}"/>
+          </ac:spMkLst>
+        </pc:spChg>
+        <pc:spChg chg="del">
+          <ac:chgData name="rodrigo" userId="1066b43c39e8cb61" providerId="LiveId" clId="{67C10692-9E20-4503-BE1F-EE6FEB130C0A}" dt="2025-06-10T01:12:45.528" v="1372" actId="478"/>
+          <ac:spMkLst>
+            <pc:docMk/>
+            <pc:sldMk cId="888484295" sldId="408"/>
+            <ac:spMk id="4" creationId="{41FC7B50-71A6-D8BE-C032-5EB4CF5706D5}"/>
+          </ac:spMkLst>
+        </pc:spChg>
+        <pc:spChg chg="add mod">
+          <ac:chgData name="rodrigo" userId="1066b43c39e8cb61" providerId="LiveId" clId="{67C10692-9E20-4503-BE1F-EE6FEB130C0A}" dt="2025-06-10T01:12:06.242" v="1369" actId="20577"/>
+          <ac:spMkLst>
+            <pc:docMk/>
+            <pc:sldMk cId="888484295" sldId="408"/>
+            <ac:spMk id="6" creationId="{E6544161-1B5A-4C05-E9BD-84C423D01B53}"/>
+          </ac:spMkLst>
+        </pc:spChg>
+        <pc:spChg chg="add del mod">
+          <ac:chgData name="rodrigo" userId="1066b43c39e8cb61" providerId="LiveId" clId="{67C10692-9E20-4503-BE1F-EE6FEB130C0A}" dt="2025-06-10T04:29:30.795" v="1438"/>
+          <ac:spMkLst>
+            <pc:docMk/>
+            <pc:sldMk cId="888484295" sldId="408"/>
+            <ac:spMk id="8" creationId="{09694097-B30F-AF34-CF00-0DE56C05D5E3}"/>
+          </ac:spMkLst>
+        </pc:spChg>
+        <pc:spChg chg="add del mod">
+          <ac:chgData name="rodrigo" userId="1066b43c39e8cb61" providerId="LiveId" clId="{67C10692-9E20-4503-BE1F-EE6FEB130C0A}" dt="2025-06-10T04:29:48.628" v="1442" actId="478"/>
+          <ac:spMkLst>
+            <pc:docMk/>
+            <pc:sldMk cId="888484295" sldId="408"/>
+            <ac:spMk id="10" creationId="{3282721F-FD21-E5FD-6CD2-D8915330B4D5}"/>
+          </ac:spMkLst>
+        </pc:spChg>
+        <pc:graphicFrameChg chg="add mod modGraphic">
+          <ac:chgData name="rodrigo" userId="1066b43c39e8cb61" providerId="LiveId" clId="{67C10692-9E20-4503-BE1F-EE6FEB130C0A}" dt="2025-06-10T04:31:00.921" v="1471" actId="14734"/>
+          <ac:graphicFrameMkLst>
+            <pc:docMk/>
+            <pc:sldMk cId="888484295" sldId="408"/>
+            <ac:graphicFrameMk id="11" creationId="{F7030142-8987-7B25-7F7B-3ABA16F88218}"/>
+          </ac:graphicFrameMkLst>
+        </pc:graphicFrameChg>
+      </pc:sldChg>
+      <pc:sldChg chg="addSp delSp modSp mod">
+        <pc:chgData name="rodrigo" userId="1066b43c39e8cb61" providerId="LiveId" clId="{67C10692-9E20-4503-BE1F-EE6FEB130C0A}" dt="2025-06-10T10:24:04.104" v="1543" actId="20577"/>
         <pc:sldMkLst>
           <pc:docMk/>
           <pc:sldMk cId="2249372667" sldId="409"/>
@@ -226,7 +391,7 @@
           </ac:spMkLst>
         </pc:spChg>
         <pc:spChg chg="mod">
-          <ac:chgData name="rodrigo" userId="1066b43c39e8cb61" providerId="LiveId" clId="{67C10692-9E20-4503-BE1F-EE6FEB130C0A}" dt="2025-06-10T00:18:54.253" v="826" actId="1076"/>
+          <ac:chgData name="rodrigo" userId="1066b43c39e8cb61" providerId="LiveId" clId="{67C10692-9E20-4503-BE1F-EE6FEB130C0A}" dt="2025-06-10T10:24:04.104" v="1543" actId="20577"/>
           <ac:spMkLst>
             <pc:docMk/>
             <pc:sldMk cId="2249372667" sldId="409"/>
@@ -250,7 +415,7 @@
           </ac:picMkLst>
         </pc:picChg>
         <pc:picChg chg="add mod">
-          <ac:chgData name="rodrigo" userId="1066b43c39e8cb61" providerId="LiveId" clId="{67C10692-9E20-4503-BE1F-EE6FEB130C0A}" dt="2025-06-10T00:18:45.491" v="823" actId="1076"/>
+          <ac:chgData name="rodrigo" userId="1066b43c39e8cb61" providerId="LiveId" clId="{67C10692-9E20-4503-BE1F-EE6FEB130C0A}" dt="2025-06-10T00:54:21.662" v="892" actId="1076"/>
           <ac:picMkLst>
             <pc:docMk/>
             <pc:sldMk cId="2249372667" sldId="409"/>
@@ -290,13 +455,13 @@
         </pc:spChg>
       </pc:sldChg>
       <pc:sldChg chg="addSp delSp modSp add mod">
-        <pc:chgData name="rodrigo" userId="1066b43c39e8cb61" providerId="LiveId" clId="{67C10692-9E20-4503-BE1F-EE6FEB130C0A}" dt="2025-06-10T00:21:45.540" v="842" actId="20577"/>
+        <pc:chgData name="rodrigo" userId="1066b43c39e8cb61" providerId="LiveId" clId="{67C10692-9E20-4503-BE1F-EE6FEB130C0A}" dt="2025-06-10T03:42:30.477" v="1374" actId="20577"/>
         <pc:sldMkLst>
           <pc:docMk/>
           <pc:sldMk cId="4102027957" sldId="411"/>
         </pc:sldMkLst>
         <pc:spChg chg="add mod">
-          <ac:chgData name="rodrigo" userId="1066b43c39e8cb61" providerId="LiveId" clId="{67C10692-9E20-4503-BE1F-EE6FEB130C0A}" dt="2025-06-10T00:16:47.432" v="788" actId="20577"/>
+          <ac:chgData name="rodrigo" userId="1066b43c39e8cb61" providerId="LiveId" clId="{67C10692-9E20-4503-BE1F-EE6FEB130C0A}" dt="2025-06-10T03:42:30.477" v="1374" actId="20577"/>
           <ac:spMkLst>
             <pc:docMk/>
             <pc:sldMk cId="4102027957" sldId="411"/>
@@ -304,7 +469,7 @@
           </ac:spMkLst>
         </pc:spChg>
         <pc:spChg chg="add mod">
-          <ac:chgData name="rodrigo" userId="1066b43c39e8cb61" providerId="LiveId" clId="{67C10692-9E20-4503-BE1F-EE6FEB130C0A}" dt="2025-06-09T23:50:21.621" v="776" actId="20577"/>
+          <ac:chgData name="rodrigo" userId="1066b43c39e8cb61" providerId="LiveId" clId="{67C10692-9E20-4503-BE1F-EE6FEB130C0A}" dt="2025-06-10T01:09:37.925" v="1219" actId="207"/>
           <ac:spMkLst>
             <pc:docMk/>
             <pc:sldMk cId="4102027957" sldId="411"/>
@@ -328,7 +493,7 @@
           </ac:spMkLst>
         </pc:spChg>
         <pc:spChg chg="mod">
-          <ac:chgData name="rodrigo" userId="1066b43c39e8cb61" providerId="LiveId" clId="{67C10692-9E20-4503-BE1F-EE6FEB130C0A}" dt="2025-06-10T00:21:45.540" v="842" actId="20577"/>
+          <ac:chgData name="rodrigo" userId="1066b43c39e8cb61" providerId="LiveId" clId="{67C10692-9E20-4503-BE1F-EE6FEB130C0A}" dt="2025-06-10T01:09:42.788" v="1220" actId="207"/>
           <ac:spMkLst>
             <pc:docMk/>
             <pc:sldMk cId="4102027957" sldId="411"/>
@@ -375,6 +540,29 @@
             <ac:picMk id="19" creationId="{40C163C7-FAE0-86ED-B5EA-649FF5CC09FA}"/>
           </ac:picMkLst>
         </pc:picChg>
+      </pc:sldChg>
+      <pc:sldChg chg="modSp add mod">
+        <pc:chgData name="rodrigo" userId="1066b43c39e8cb61" providerId="LiveId" clId="{67C10692-9E20-4503-BE1F-EE6FEB130C0A}" dt="2025-06-10T11:30:24.126" v="1938" actId="207"/>
+        <pc:sldMkLst>
+          <pc:docMk/>
+          <pc:sldMk cId="1135758004" sldId="412"/>
+        </pc:sldMkLst>
+        <pc:spChg chg="mod">
+          <ac:chgData name="rodrigo" userId="1066b43c39e8cb61" providerId="LiveId" clId="{67C10692-9E20-4503-BE1F-EE6FEB130C0A}" dt="2025-06-10T11:30:15.240" v="1937" actId="20577"/>
+          <ac:spMkLst>
+            <pc:docMk/>
+            <pc:sldMk cId="1135758004" sldId="412"/>
+            <ac:spMk id="3" creationId="{DB097449-5B72-ADA0-3B2D-1CBC160D6B90}"/>
+          </ac:spMkLst>
+        </pc:spChg>
+        <pc:spChg chg="mod">
+          <ac:chgData name="rodrigo" userId="1066b43c39e8cb61" providerId="LiveId" clId="{67C10692-9E20-4503-BE1F-EE6FEB130C0A}" dt="2025-06-10T11:30:24.126" v="1938" actId="207"/>
+          <ac:spMkLst>
+            <pc:docMk/>
+            <pc:sldMk cId="1135758004" sldId="412"/>
+            <ac:spMk id="4" creationId="{41FC7B50-71A6-D8BE-C032-5EB4CF5706D5}"/>
+          </ac:spMkLst>
+        </pc:spChg>
       </pc:sldChg>
     </pc:docChg>
   </pc:docChgLst>
@@ -1413,13 +1601,7 @@
   <p:cSld>
     <p:spTree>
       <p:nvGrpSpPr>
-        <p:cNvPr id="1" name="">
-          <a:extLst>
-            <a:ext uri="{FF2B5EF4-FFF2-40B4-BE49-F238E27FC236}">
-              <a16:creationId xmlns:a16="http://schemas.microsoft.com/office/drawing/2014/main" id="{14BBC04D-2568-C19F-6211-ABA7996CBC5B}"/>
-            </a:ext>
-          </a:extLst>
-        </p:cNvPr>
+        <p:cNvPr id="1" name=""/>
         <p:cNvGrpSpPr/>
         <p:nvPr/>
       </p:nvGrpSpPr>
@@ -1433,13 +1615,7 @@
       </p:grpSpPr>
       <p:sp>
         <p:nvSpPr>
-          <p:cNvPr id="2" name="Marcador de imagen de diapositiva 1">
-            <a:extLst>
-              <a:ext uri="{FF2B5EF4-FFF2-40B4-BE49-F238E27FC236}">
-                <a16:creationId xmlns:a16="http://schemas.microsoft.com/office/drawing/2014/main" id="{BBBD96A4-D432-FA69-5E46-4DF91D77CA91}"/>
-              </a:ext>
-            </a:extLst>
-          </p:cNvPr>
+          <p:cNvPr id="2" name="Marcador de imagen de diapositiva 1"/>
           <p:cNvSpPr>
             <a:spLocks noGrp="1" noRot="1" noChangeAspect="1"/>
           </p:cNvSpPr>
@@ -1451,13 +1627,7 @@
       </p:sp>
       <p:sp>
         <p:nvSpPr>
-          <p:cNvPr id="3" name="Marcador de notas 2">
-            <a:extLst>
-              <a:ext uri="{FF2B5EF4-FFF2-40B4-BE49-F238E27FC236}">
-                <a16:creationId xmlns:a16="http://schemas.microsoft.com/office/drawing/2014/main" id="{EF639921-CFBB-DE6F-31EB-81B758CA0268}"/>
-              </a:ext>
-            </a:extLst>
-          </p:cNvPr>
+          <p:cNvPr id="3" name="Marcador de notas 2"/>
           <p:cNvSpPr>
             <a:spLocks noGrp="1"/>
           </p:cNvSpPr>
@@ -1481,13 +1651,7 @@
       </p:sp>
       <p:sp>
         <p:nvSpPr>
-          <p:cNvPr id="4" name="Marcador de número de diapositiva 3">
-            <a:extLst>
-              <a:ext uri="{FF2B5EF4-FFF2-40B4-BE49-F238E27FC236}">
-                <a16:creationId xmlns:a16="http://schemas.microsoft.com/office/drawing/2014/main" id="{4453E3F8-8185-F97B-2F08-1F44FCE2A5AB}"/>
-              </a:ext>
-            </a:extLst>
-          </p:cNvPr>
+          <p:cNvPr id="4" name="Marcador de número de diapositiva 3"/>
           <p:cNvSpPr>
             <a:spLocks noGrp="1"/>
           </p:cNvSpPr>
@@ -1516,7 +1680,7 @@
     </p:spTree>
     <p:extLst>
       <p:ext uri="{BB962C8B-B14F-4D97-AF65-F5344CB8AC3E}">
-        <p14:creationId xmlns:p14="http://schemas.microsoft.com/office/powerpoint/2010/main" val="3727777786"/>
+        <p14:creationId xmlns:p14="http://schemas.microsoft.com/office/powerpoint/2010/main" val="2386183720"/>
       </p:ext>
     </p:extLst>
   </p:cSld>
@@ -1610,7 +1774,7 @@
     </p:spTree>
     <p:extLst>
       <p:ext uri="{BB962C8B-B14F-4D97-AF65-F5344CB8AC3E}">
-        <p14:creationId xmlns:p14="http://schemas.microsoft.com/office/powerpoint/2010/main" val="2386183720"/>
+        <p14:creationId xmlns:p14="http://schemas.microsoft.com/office/powerpoint/2010/main" val="2369143358"/>
       </p:ext>
     </p:extLst>
   </p:cSld>
@@ -10540,8 +10704,8 @@
         </p:nvSpPr>
         <p:spPr>
           <a:xfrm>
-            <a:off x="6269356" y="1368201"/>
-            <a:ext cx="5486400" cy="2733719"/>
+            <a:off x="6269356" y="506437"/>
+            <a:ext cx="5486400" cy="4023359"/>
           </a:xfrm>
         </p:spPr>
         <p:txBody>
@@ -10551,24 +10715,6 @@
               <a:defRPr lang="es-ES"/>
             </a:defPPr>
           </a:lstStyle>
-          <a:p>
-            <a:pPr marL="457200" indent="-457200" rtl="0" fontAlgn="base">
-              <a:spcBef>
-                <a:spcPts val="0"/>
-              </a:spcBef>
-              <a:spcAft>
-                <a:spcPts val="0"/>
-              </a:spcAft>
-              <a:buFont typeface="+mj-lt"/>
-              <a:buAutoNum type="arabicParenR"/>
-            </a:pPr>
-            <a:r>
-              <a:rPr lang="es-MX" sz="2000" b="0" i="0" u="none" strike="noStrike" dirty="0">
-                <a:effectLst/>
-              </a:rPr>
-              <a:t>Reproducir diferentes algoritmos de búsqueda y ordenamiento utilizados en Python.</a:t>
-            </a:r>
-          </a:p>
           <a:p>
             <a:pPr marL="457200" indent="-457200" rtl="0" fontAlgn="base">
               <a:spcBef>
@@ -10581,26 +10727,11 @@
               <a:buAutoNum type="arabicParenR"/>
             </a:pPr>
             <a:endParaRPr lang="es-MX" sz="2000" b="0" i="0" u="none" strike="noStrike" dirty="0">
+              <a:solidFill>
+                <a:schemeClr val="bg1"/>
+              </a:solidFill>
               <a:effectLst/>
             </a:endParaRPr>
-          </a:p>
-          <a:p>
-            <a:pPr marL="457200" indent="-457200" rtl="0" fontAlgn="base">
-              <a:spcBef>
-                <a:spcPts val="0"/>
-              </a:spcBef>
-              <a:spcAft>
-                <a:spcPts val="0"/>
-              </a:spcAft>
-              <a:buFont typeface="+mj-lt"/>
-              <a:buAutoNum type="arabicParenR"/>
-            </a:pPr>
-            <a:r>
-              <a:rPr lang="es-MX" sz="2000" b="0" i="0" u="none" strike="noStrike" dirty="0">
-                <a:effectLst/>
-              </a:rPr>
-              <a:t>Afirmar los conocimientos teóricos a través de la aplicación práctica.</a:t>
-            </a:r>
           </a:p>
           <a:p>
             <a:pPr marL="457200" indent="-457200" rtl="0" fontAlgn="base">
@@ -10614,6 +10745,9 @@
               <a:buAutoNum type="arabicParenR"/>
             </a:pPr>
             <a:endParaRPr lang="es-MX" sz="2000" b="0" i="0" u="none" strike="noStrike" dirty="0">
+              <a:solidFill>
+                <a:schemeClr val="bg1"/>
+              </a:solidFill>
               <a:effectLst/>
             </a:endParaRPr>
           </a:p>
@@ -10628,8 +10762,109 @@
               <a:buFont typeface="+mj-lt"/>
               <a:buAutoNum type="arabicParenR"/>
             </a:pPr>
+            <a:endParaRPr lang="es-MX" sz="2000" b="0" i="0" u="none" strike="noStrike" dirty="0">
+              <a:solidFill>
+                <a:schemeClr val="bg1"/>
+              </a:solidFill>
+              <a:effectLst/>
+            </a:endParaRPr>
+          </a:p>
+          <a:p>
+            <a:pPr marL="457200" indent="-457200" fontAlgn="base">
+              <a:spcBef>
+                <a:spcPts val="0"/>
+              </a:spcBef>
+              <a:buFont typeface="+mj-lt"/>
+              <a:buAutoNum type="arabicParenR"/>
+            </a:pPr>
+            <a:r>
+              <a:rPr lang="es-MX" sz="2000" b="0" dirty="0">
+                <a:solidFill>
+                  <a:schemeClr val="bg1"/>
+                </a:solidFill>
+              </a:rPr>
+              <a:t>Repasar conceptos clave de algoritmos.</a:t>
+            </a:r>
+            <a:endParaRPr lang="es-MX" sz="2000" b="0" i="0" u="none" strike="noStrike" dirty="0">
+              <a:solidFill>
+                <a:schemeClr val="bg1"/>
+              </a:solidFill>
+              <a:effectLst/>
+            </a:endParaRPr>
+          </a:p>
+          <a:p>
+            <a:pPr marL="457200" indent="-457200" rtl="0" fontAlgn="base">
+              <a:spcBef>
+                <a:spcPts val="0"/>
+              </a:spcBef>
+              <a:spcAft>
+                <a:spcPts val="0"/>
+              </a:spcAft>
+              <a:buFont typeface="+mj-lt"/>
+              <a:buAutoNum type="arabicParenR"/>
+            </a:pPr>
+            <a:endParaRPr lang="es-MX" sz="2000" b="0" i="0" u="none" strike="noStrike" dirty="0">
+              <a:solidFill>
+                <a:schemeClr val="bg1"/>
+              </a:solidFill>
+              <a:effectLst/>
+            </a:endParaRPr>
+          </a:p>
+          <a:p>
+            <a:pPr marL="457200" indent="-457200" rtl="0" fontAlgn="base">
+              <a:spcBef>
+                <a:spcPts val="0"/>
+              </a:spcBef>
+              <a:spcAft>
+                <a:spcPts val="0"/>
+              </a:spcAft>
+              <a:buFont typeface="+mj-lt"/>
+              <a:buAutoNum type="arabicParenR"/>
+            </a:pPr>
             <a:r>
               <a:rPr lang="es-MX" sz="2000" b="0" i="0" u="none" strike="noStrike" dirty="0">
+                <a:solidFill>
+                  <a:schemeClr val="bg1"/>
+                </a:solidFill>
+                <a:effectLst/>
+              </a:rPr>
+              <a:t>Afirmar los conocimientos teóricos a través de la aplicación práctica. Reproducir diferentes algoritmos de búsqueda y ordenamiento utilizados en Python.</a:t>
+            </a:r>
+          </a:p>
+          <a:p>
+            <a:pPr marL="457200" indent="-457200" rtl="0" fontAlgn="base">
+              <a:spcBef>
+                <a:spcPts val="0"/>
+              </a:spcBef>
+              <a:spcAft>
+                <a:spcPts val="0"/>
+              </a:spcAft>
+              <a:buFont typeface="+mj-lt"/>
+              <a:buAutoNum type="arabicParenR"/>
+            </a:pPr>
+            <a:endParaRPr lang="es-MX" sz="2000" b="0" i="0" u="none" strike="noStrike" dirty="0">
+              <a:solidFill>
+                <a:schemeClr val="bg1"/>
+              </a:solidFill>
+              <a:effectLst/>
+            </a:endParaRPr>
+          </a:p>
+          <a:p>
+            <a:pPr marL="457200" indent="-457200" rtl="0" fontAlgn="base">
+              <a:spcBef>
+                <a:spcPts val="0"/>
+              </a:spcBef>
+              <a:spcAft>
+                <a:spcPts val="0"/>
+              </a:spcAft>
+              <a:buFont typeface="+mj-lt"/>
+              <a:buAutoNum type="arabicParenR"/>
+            </a:pPr>
+            <a:r>
+              <a:rPr lang="es-MX" sz="2000" b="0" i="0" u="none" strike="noStrike" dirty="0">
+                <a:solidFill>
+                  <a:schemeClr val="bg1"/>
+                </a:solidFill>
                 <a:effectLst/>
               </a:rPr>
               <a:t>Comparar los diferentes tipos de algoritmos en escenarios y conjuntos diferentes.</a:t>
@@ -11154,7 +11389,7 @@
         </p:nvSpPr>
         <p:spPr>
           <a:xfrm>
-            <a:off x="223870" y="1749478"/>
+            <a:off x="223870" y="1984975"/>
             <a:ext cx="6753706" cy="3005288"/>
           </a:xfrm>
           <a:prstGeom prst="rect">
@@ -11254,9 +11489,7 @@
             <a:r>
               <a:rPr lang="en-US" sz="2000" b="0" dirty="0">
                 <a:solidFill>
-                  <a:schemeClr val="tx2">
-                    <a:lumMod val="75000"/>
-                  </a:schemeClr>
+                  <a:schemeClr val="bg1"/>
                 </a:solidFill>
                 <a:latin typeface="+mn-lt"/>
                 <a:ea typeface="+mn-ea"/>
@@ -11267,9 +11500,7 @@
             <a:r>
               <a:rPr lang="en-US" sz="2000" b="0" dirty="0" err="1">
                 <a:solidFill>
-                  <a:schemeClr val="tx2">
-                    <a:lumMod val="75000"/>
-                  </a:schemeClr>
+                  <a:schemeClr val="bg1"/>
                 </a:solidFill>
                 <a:latin typeface="+mn-lt"/>
                 <a:ea typeface="+mn-ea"/>
@@ -11280,35 +11511,7 @@
             <a:r>
               <a:rPr lang="en-US" sz="2000" b="0" dirty="0">
                 <a:solidFill>
-                  <a:schemeClr val="tx2">
-                    <a:lumMod val="75000"/>
-                  </a:schemeClr>
-                </a:solidFill>
-                <a:latin typeface="+mn-lt"/>
-                <a:ea typeface="+mn-ea"/>
-                <a:cs typeface="+mn-cs"/>
-              </a:rPr>
-              <a:t> </a:t>
-            </a:r>
-            <a:r>
-              <a:rPr lang="en-US" sz="2000" b="0" dirty="0" err="1">
-                <a:solidFill>
-                  <a:schemeClr val="tx2">
-                    <a:lumMod val="75000"/>
-                  </a:schemeClr>
-                </a:solidFill>
-                <a:latin typeface="+mn-lt"/>
-                <a:ea typeface="+mn-ea"/>
-                <a:cs typeface="+mn-cs"/>
-              </a:rPr>
-              <a:t>computacional</a:t>
-            </a:r>
-            <a:r>
-              <a:rPr lang="en-US" sz="2000" b="0" dirty="0">
-                <a:solidFill>
-                  <a:schemeClr val="tx2">
-                    <a:lumMod val="75000"/>
-                  </a:schemeClr>
+                  <a:schemeClr val="bg1"/>
                 </a:solidFill>
                 <a:latin typeface="+mn-lt"/>
                 <a:ea typeface="+mn-ea"/>
@@ -11319,9 +11522,7 @@
             <a:r>
               <a:rPr lang="en-US" sz="2000" b="0" dirty="0" err="1">
                 <a:solidFill>
-                  <a:schemeClr val="tx2">
-                    <a:lumMod val="75000"/>
-                  </a:schemeClr>
+                  <a:schemeClr val="bg1"/>
                 </a:solidFill>
                 <a:latin typeface="+mn-lt"/>
                 <a:ea typeface="+mn-ea"/>
@@ -11332,22 +11533,40 @@
             <a:r>
               <a:rPr lang="en-US" sz="2000" b="0" dirty="0">
                 <a:solidFill>
-                  <a:schemeClr val="tx2">
-                    <a:lumMod val="75000"/>
-                  </a:schemeClr>
+                  <a:schemeClr val="bg1"/>
                 </a:solidFill>
                 <a:latin typeface="+mn-lt"/>
                 <a:ea typeface="+mn-ea"/>
                 <a:cs typeface="+mn-cs"/>
               </a:rPr>
-              <a:t> que </a:t>
+              <a:t> (</a:t>
             </a:r>
             <a:r>
               <a:rPr lang="en-US" sz="2000" b="0" dirty="0" err="1">
                 <a:solidFill>
-                  <a:schemeClr val="tx2">
-                    <a:lumMod val="75000"/>
-                  </a:schemeClr>
+                  <a:schemeClr val="bg1"/>
+                </a:solidFill>
+                <a:latin typeface="+mn-lt"/>
+                <a:ea typeface="+mn-ea"/>
+                <a:cs typeface="+mn-cs"/>
+              </a:rPr>
+              <a:t>preciso</a:t>
+            </a:r>
+            <a:r>
+              <a:rPr lang="en-US" sz="2000" b="0" dirty="0">
+                <a:solidFill>
+                  <a:schemeClr val="bg1"/>
+                </a:solidFill>
+                <a:latin typeface="+mn-lt"/>
+                <a:ea typeface="+mn-ea"/>
+                <a:cs typeface="+mn-cs"/>
+              </a:rPr>
+              <a:t>) que </a:t>
+            </a:r>
+            <a:r>
+              <a:rPr lang="en-US" sz="2000" b="0" dirty="0" err="1">
+                <a:solidFill>
+                  <a:schemeClr val="bg1"/>
                 </a:solidFill>
                 <a:latin typeface="+mn-lt"/>
                 <a:ea typeface="+mn-ea"/>
@@ -11358,61 +11577,7 @@
             <a:r>
               <a:rPr lang="en-US" sz="2000" b="0" dirty="0">
                 <a:solidFill>
-                  <a:schemeClr val="tx2">
-                    <a:lumMod val="75000"/>
-                  </a:schemeClr>
-                </a:solidFill>
-                <a:latin typeface="+mn-lt"/>
-                <a:ea typeface="+mn-ea"/>
-                <a:cs typeface="+mn-cs"/>
-              </a:rPr>
-              <a:t> </a:t>
-            </a:r>
-            <a:r>
-              <a:rPr lang="en-US" sz="2000" b="0" dirty="0" err="1">
-                <a:solidFill>
-                  <a:schemeClr val="tx2">
-                    <a:lumMod val="75000"/>
-                  </a:schemeClr>
-                </a:solidFill>
-                <a:latin typeface="+mn-lt"/>
-                <a:ea typeface="+mn-ea"/>
-                <a:cs typeface="+mn-cs"/>
-              </a:rPr>
-              <a:t>valores</a:t>
-            </a:r>
-            <a:r>
-              <a:rPr lang="en-US" sz="2000" b="0" dirty="0">
-                <a:solidFill>
-                  <a:schemeClr val="tx2">
-                    <a:lumMod val="75000"/>
-                  </a:schemeClr>
-                </a:solidFill>
-                <a:latin typeface="+mn-lt"/>
-                <a:ea typeface="+mn-ea"/>
-                <a:cs typeface="+mn-cs"/>
-              </a:rPr>
-              <a:t> </a:t>
-            </a:r>
-            <a:r>
-              <a:rPr lang="en-US" sz="2000" b="0" dirty="0" err="1">
-                <a:solidFill>
-                  <a:schemeClr val="tx2">
-                    <a:lumMod val="75000"/>
-                  </a:schemeClr>
-                </a:solidFill>
-                <a:latin typeface="+mn-lt"/>
-                <a:ea typeface="+mn-ea"/>
-                <a:cs typeface="+mn-cs"/>
-              </a:rPr>
-              <a:t>por</a:t>
-            </a:r>
-            <a:r>
-              <a:rPr lang="en-US" sz="2000" b="0" dirty="0">
-                <a:solidFill>
-                  <a:schemeClr val="tx2">
-                    <a:lumMod val="75000"/>
-                  </a:schemeClr>
+                  <a:schemeClr val="bg1"/>
                 </a:solidFill>
                 <a:latin typeface="+mn-lt"/>
                 <a:ea typeface="+mn-ea"/>
@@ -11423,9 +11588,7 @@
             <a:r>
               <a:rPr lang="en-US" sz="2000" b="0" dirty="0" err="1">
                 <a:solidFill>
-                  <a:schemeClr val="tx2">
-                    <a:lumMod val="75000"/>
-                  </a:schemeClr>
+                  <a:schemeClr val="bg1"/>
                 </a:solidFill>
                 <a:latin typeface="+mn-lt"/>
                 <a:ea typeface="+mn-ea"/>
@@ -11436,9 +11599,7 @@
             <a:r>
               <a:rPr lang="en-US" sz="2000" b="0" dirty="0">
                 <a:solidFill>
-                  <a:schemeClr val="tx2">
-                    <a:lumMod val="75000"/>
-                  </a:schemeClr>
+                  <a:schemeClr val="bg1"/>
                 </a:solidFill>
                 <a:latin typeface="+mn-lt"/>
                 <a:ea typeface="+mn-ea"/>
@@ -11449,9 +11610,7 @@
             <a:r>
               <a:rPr lang="en-US" sz="2000" b="0" dirty="0" err="1">
                 <a:solidFill>
-                  <a:schemeClr val="tx2">
-                    <a:lumMod val="75000"/>
-                  </a:schemeClr>
+                  <a:schemeClr val="bg1"/>
                 </a:solidFill>
                 <a:latin typeface="+mn-lt"/>
                 <a:ea typeface="+mn-ea"/>
@@ -11462,9 +11621,7 @@
             <a:r>
               <a:rPr lang="en-US" sz="2000" b="0" dirty="0">
                 <a:solidFill>
-                  <a:schemeClr val="tx2">
-                    <a:lumMod val="75000"/>
-                  </a:schemeClr>
+                  <a:schemeClr val="bg1"/>
                 </a:solidFill>
                 <a:latin typeface="+mn-lt"/>
                 <a:ea typeface="+mn-ea"/>
@@ -11475,9 +11632,7 @@
             <a:r>
               <a:rPr lang="en-US" sz="2000" b="0" dirty="0" err="1">
                 <a:solidFill>
-                  <a:schemeClr val="tx2">
-                    <a:lumMod val="75000"/>
-                  </a:schemeClr>
+                  <a:schemeClr val="bg1"/>
                 </a:solidFill>
                 <a:latin typeface="+mn-lt"/>
                 <a:ea typeface="+mn-ea"/>
@@ -11488,9 +11643,7 @@
             <a:r>
               <a:rPr lang="en-US" sz="2000" b="0" dirty="0">
                 <a:solidFill>
-                  <a:schemeClr val="tx2">
-                    <a:lumMod val="75000"/>
-                  </a:schemeClr>
+                  <a:schemeClr val="bg1"/>
                 </a:solidFill>
                 <a:latin typeface="+mn-lt"/>
                 <a:ea typeface="+mn-ea"/>
@@ -11508,121 +11661,48 @@
               <a:buChar char="-"/>
             </a:pPr>
             <a:r>
-              <a:rPr lang="en-US" sz="2000" b="0" dirty="0">
+              <a:rPr lang="en-US" sz="2000" b="0" dirty="0" err="1">
                 <a:solidFill>
-                  <a:schemeClr val="tx2">
-                    <a:lumMod val="75000"/>
-                  </a:schemeClr>
+                  <a:schemeClr val="bg1"/>
                 </a:solidFill>
                 <a:latin typeface="+mn-lt"/>
                 <a:ea typeface="+mn-ea"/>
                 <a:cs typeface="+mn-cs"/>
               </a:rPr>
-              <a:t>Nos </a:t>
-            </a:r>
-            <a:r>
-              <a:rPr lang="en-US" sz="2000" b="0" dirty="0" err="1">
+              <a:t>Debe</a:t>
+            </a:r>
+            <a:r>
+              <a:rPr lang="en-US" sz="2000" b="0" dirty="0">
                 <a:solidFill>
-                  <a:schemeClr val="tx2">
-                    <a:lumMod val="75000"/>
-                  </a:schemeClr>
+                  <a:schemeClr val="bg1"/>
                 </a:solidFill>
                 <a:latin typeface="+mn-lt"/>
                 <a:ea typeface="+mn-ea"/>
                 <a:cs typeface="+mn-cs"/>
               </a:rPr>
-              <a:t>ayudan</a:t>
-            </a:r>
-            <a:r>
-              <a:rPr lang="en-US" sz="2000" b="0" dirty="0">
+              <a:t> ser finito, </a:t>
+            </a:r>
+            <a:r>
+              <a:rPr lang="en-US" sz="2000" b="0" dirty="0" err="1">
                 <a:solidFill>
-                  <a:schemeClr val="tx2">
-                    <a:lumMod val="75000"/>
-                  </a:schemeClr>
+                  <a:schemeClr val="bg1"/>
                 </a:solidFill>
                 <a:latin typeface="+mn-lt"/>
                 <a:ea typeface="+mn-ea"/>
                 <a:cs typeface="+mn-cs"/>
               </a:rPr>
-              <a:t> a resolver </a:t>
-            </a:r>
-            <a:r>
-              <a:rPr lang="en-US" sz="2000" b="0" dirty="0" err="1">
+              <a:t>tener</a:t>
+            </a:r>
+            <a:r>
+              <a:rPr lang="en-US" sz="2000" b="0" dirty="0">
                 <a:solidFill>
-                  <a:schemeClr val="tx2">
-                    <a:lumMod val="75000"/>
-                  </a:schemeClr>
+                  <a:schemeClr val="bg1"/>
                 </a:solidFill>
                 <a:latin typeface="+mn-lt"/>
                 <a:ea typeface="+mn-ea"/>
                 <a:cs typeface="+mn-cs"/>
               </a:rPr>
-              <a:t>problemas</a:t>
-            </a:r>
-            <a:r>
-              <a:rPr lang="en-US" sz="2000" b="0" dirty="0">
-                <a:solidFill>
-                  <a:schemeClr val="tx2">
-                    <a:lumMod val="75000"/>
-                  </a:schemeClr>
-                </a:solidFill>
-                <a:latin typeface="+mn-lt"/>
-                <a:ea typeface="+mn-ea"/>
-                <a:cs typeface="+mn-cs"/>
-              </a:rPr>
-              <a:t> </a:t>
-            </a:r>
-            <a:r>
-              <a:rPr lang="en-US" sz="2000" b="0" dirty="0" err="1">
-                <a:solidFill>
-                  <a:schemeClr val="tx2">
-                    <a:lumMod val="75000"/>
-                  </a:schemeClr>
-                </a:solidFill>
-                <a:latin typeface="+mn-lt"/>
-                <a:ea typeface="+mn-ea"/>
-                <a:cs typeface="+mn-cs"/>
-              </a:rPr>
-              <a:t>complejos</a:t>
-            </a:r>
-            <a:r>
-              <a:rPr lang="en-US" sz="2000" b="0" dirty="0">
-                <a:solidFill>
-                  <a:schemeClr val="tx2">
-                    <a:lumMod val="75000"/>
-                  </a:schemeClr>
-                </a:solidFill>
-                <a:latin typeface="+mn-lt"/>
-                <a:ea typeface="+mn-ea"/>
-                <a:cs typeface="+mn-cs"/>
-              </a:rPr>
-              <a:t> de forma </a:t>
-            </a:r>
-            <a:r>
-              <a:rPr lang="en-US" sz="2000" b="0" dirty="0" err="1">
-                <a:solidFill>
-                  <a:schemeClr val="tx2">
-                    <a:lumMod val="75000"/>
-                  </a:schemeClr>
-                </a:solidFill>
-                <a:latin typeface="+mn-lt"/>
-                <a:ea typeface="+mn-ea"/>
-                <a:cs typeface="+mn-cs"/>
-              </a:rPr>
-              <a:t>eficiente</a:t>
-            </a:r>
-            <a:r>
-              <a:rPr lang="en-US" sz="2000" b="0" dirty="0">
-                <a:solidFill>
-                  <a:schemeClr val="tx2">
-                    <a:lumMod val="75000"/>
-                  </a:schemeClr>
-                </a:solidFill>
-                <a:latin typeface="+mn-lt"/>
-                <a:ea typeface="+mn-ea"/>
-                <a:cs typeface="+mn-cs"/>
-              </a:rPr>
-              <a:t>.</a:t>
+              <a:t> un fin.</a:t>
             </a:r>
           </a:p>
           <a:p>
@@ -11636,61 +11716,51 @@
             <a:r>
               <a:rPr lang="en-US" sz="2000" b="0" dirty="0">
                 <a:solidFill>
-                  <a:schemeClr val="tx2">
-                    <a:lumMod val="75000"/>
-                  </a:schemeClr>
+                  <a:schemeClr val="bg1"/>
                 </a:solidFill>
                 <a:latin typeface="+mn-lt"/>
                 <a:ea typeface="+mn-ea"/>
                 <a:cs typeface="+mn-cs"/>
               </a:rPr>
-              <a:t>Su </a:t>
+              <a:t>Nos </a:t>
             </a:r>
             <a:r>
               <a:rPr lang="en-US" sz="2000" b="0" dirty="0" err="1">
                 <a:solidFill>
-                  <a:schemeClr val="tx2">
-                    <a:lumMod val="75000"/>
-                  </a:schemeClr>
+                  <a:schemeClr val="bg1"/>
                 </a:solidFill>
                 <a:latin typeface="+mn-lt"/>
                 <a:ea typeface="+mn-ea"/>
                 <a:cs typeface="+mn-cs"/>
               </a:rPr>
-              <a:t>importancia</a:t>
+              <a:t>ayudan</a:t>
             </a:r>
             <a:r>
               <a:rPr lang="en-US" sz="2000" b="0" dirty="0">
                 <a:solidFill>
-                  <a:schemeClr val="tx2">
-                    <a:lumMod val="75000"/>
-                  </a:schemeClr>
+                  <a:schemeClr val="bg1"/>
                 </a:solidFill>
                 <a:latin typeface="+mn-lt"/>
                 <a:ea typeface="+mn-ea"/>
                 <a:cs typeface="+mn-cs"/>
               </a:rPr>
-              <a:t> es tan vital </a:t>
+              <a:t> a resolver </a:t>
             </a:r>
             <a:r>
               <a:rPr lang="en-US" sz="2000" b="0" dirty="0" err="1">
                 <a:solidFill>
-                  <a:schemeClr val="tx2">
-                    <a:lumMod val="75000"/>
-                  </a:schemeClr>
+                  <a:schemeClr val="bg1"/>
                 </a:solidFill>
                 <a:latin typeface="+mn-lt"/>
                 <a:ea typeface="+mn-ea"/>
                 <a:cs typeface="+mn-cs"/>
               </a:rPr>
-              <a:t>como</a:t>
+              <a:t>problemas</a:t>
             </a:r>
             <a:r>
               <a:rPr lang="en-US" sz="2000" b="0" dirty="0">
                 <a:solidFill>
-                  <a:schemeClr val="tx2">
-                    <a:lumMod val="75000"/>
-                  </a:schemeClr>
+                  <a:schemeClr val="bg1"/>
                 </a:solidFill>
                 <a:latin typeface="+mn-lt"/>
                 <a:ea typeface="+mn-ea"/>
@@ -11701,74 +11771,40 @@
             <a:r>
               <a:rPr lang="en-US" sz="2000" b="0" dirty="0" err="1">
                 <a:solidFill>
-                  <a:schemeClr val="tx2">
-                    <a:lumMod val="75000"/>
-                  </a:schemeClr>
+                  <a:schemeClr val="bg1"/>
                 </a:solidFill>
                 <a:latin typeface="+mn-lt"/>
                 <a:ea typeface="+mn-ea"/>
                 <a:cs typeface="+mn-cs"/>
               </a:rPr>
-              <a:t>el</a:t>
+              <a:t>complejos</a:t>
             </a:r>
             <a:r>
               <a:rPr lang="en-US" sz="2000" b="0" dirty="0">
                 <a:solidFill>
-                  <a:schemeClr val="tx2">
-                    <a:lumMod val="75000"/>
-                  </a:schemeClr>
+                  <a:schemeClr val="bg1"/>
                 </a:solidFill>
                 <a:latin typeface="+mn-lt"/>
                 <a:ea typeface="+mn-ea"/>
                 <a:cs typeface="+mn-cs"/>
               </a:rPr>
-              <a:t> software y </a:t>
+              <a:t> de forma </a:t>
             </a:r>
             <a:r>
               <a:rPr lang="en-US" sz="2000" b="0" dirty="0" err="1">
                 <a:solidFill>
-                  <a:schemeClr val="tx2">
-                    <a:lumMod val="75000"/>
-                  </a:schemeClr>
+                  <a:schemeClr val="bg1"/>
                 </a:solidFill>
                 <a:latin typeface="+mn-lt"/>
                 <a:ea typeface="+mn-ea"/>
                 <a:cs typeface="+mn-cs"/>
               </a:rPr>
-              <a:t>el</a:t>
+              <a:t>eficiente</a:t>
             </a:r>
             <a:r>
               <a:rPr lang="en-US" sz="2000" b="0" dirty="0">
                 <a:solidFill>
-                  <a:schemeClr val="tx2">
-                    <a:lumMod val="75000"/>
-                  </a:schemeClr>
-                </a:solidFill>
-                <a:latin typeface="+mn-lt"/>
-                <a:ea typeface="+mn-ea"/>
-                <a:cs typeface="+mn-cs"/>
-              </a:rPr>
-              <a:t> hardware que se </a:t>
-            </a:r>
-            <a:r>
-              <a:rPr lang="en-US" sz="2000" b="0" dirty="0" err="1">
-                <a:solidFill>
-                  <a:schemeClr val="tx2">
-                    <a:lumMod val="75000"/>
-                  </a:schemeClr>
-                </a:solidFill>
-                <a:latin typeface="+mn-lt"/>
-                <a:ea typeface="+mn-ea"/>
-                <a:cs typeface="+mn-cs"/>
-              </a:rPr>
-              <a:t>utiliza</a:t>
-            </a:r>
-            <a:r>
-              <a:rPr lang="en-US" sz="2000" b="0" dirty="0">
-                <a:solidFill>
-                  <a:schemeClr val="tx2">
-                    <a:lumMod val="75000"/>
-                  </a:schemeClr>
+                  <a:schemeClr val="bg1"/>
                 </a:solidFill>
                 <a:latin typeface="+mn-lt"/>
                 <a:ea typeface="+mn-ea"/>
@@ -11818,7 +11854,7 @@
         </p:blipFill>
         <p:spPr>
           <a:xfrm>
-            <a:off x="7834238" y="1593881"/>
+            <a:off x="7904576" y="1652500"/>
             <a:ext cx="3641108" cy="3670237"/>
           </a:xfrm>
           <a:prstGeom prst="rect">
@@ -12175,34 +12211,17 @@
             <a:r>
               <a:rPr lang="es-MX" sz="2000" b="0" dirty="0">
                 <a:solidFill>
-                  <a:schemeClr val="tx2">
-                    <a:lumMod val="75000"/>
-                  </a:schemeClr>
+                  <a:schemeClr val="bg1"/>
                 </a:solidFill>
                 <a:latin typeface="+mn-lt"/>
                 <a:ea typeface="+mn-ea"/>
                 <a:cs typeface="+mn-cs"/>
               </a:rPr>
-              <a:t>Se centran en torno a la organización y recuperación de </a:t>
-            </a:r>
-            <a:r>
-              <a:rPr lang="es-MX" sz="2000" b="0">
-                <a:solidFill>
-                  <a:schemeClr val="tx2">
-                    <a:lumMod val="75000"/>
-                  </a:schemeClr>
-                </a:solidFill>
-                <a:latin typeface="+mn-lt"/>
-                <a:ea typeface="+mn-ea"/>
-                <a:cs typeface="+mn-cs"/>
-              </a:rPr>
-              <a:t>datos. </a:t>
+              <a:t>Se centran en torno a la organización y recuperación de datos. </a:t>
             </a:r>
             <a:endParaRPr lang="es-419" sz="2000" b="0" dirty="0">
               <a:solidFill>
-                <a:schemeClr val="tx2">
-                  <a:lumMod val="75000"/>
-                </a:schemeClr>
+                <a:schemeClr val="bg1"/>
               </a:solidFill>
               <a:latin typeface="+mn-lt"/>
               <a:ea typeface="+mn-ea"/>
@@ -12407,13 +12426,7 @@
           </a:lstStyle>
           <a:p>
             <a:r>
-              <a:rPr lang="es-MX" sz="2400" b="1" dirty="0">
-                <a:solidFill>
-                  <a:schemeClr val="tx2">
-                    <a:lumMod val="75000"/>
-                  </a:schemeClr>
-                </a:solidFill>
-              </a:rPr>
+              <a:rPr lang="es-MX" sz="2400" b="1" dirty="0"/>
               <a:t>Búsqueda:</a:t>
             </a:r>
           </a:p>
@@ -12423,24 +12436,8 @@
               <a:buChar char="q"/>
             </a:pPr>
             <a:r>
-              <a:rPr lang="es-MX" sz="2400" dirty="0" err="1">
-                <a:solidFill>
-                  <a:schemeClr val="tx2">
-                    <a:lumMod val="75000"/>
-                  </a:schemeClr>
-                </a:solidFill>
-              </a:rPr>
-              <a:t>Linial</a:t>
-            </a:r>
-            <a:r>
-              <a:rPr lang="es-MX" sz="2400" dirty="0">
-                <a:solidFill>
-                  <a:schemeClr val="tx2">
-                    <a:lumMod val="75000"/>
-                  </a:schemeClr>
-                </a:solidFill>
-              </a:rPr>
-              <a:t>.</a:t>
+              <a:rPr lang="es-MX" sz="2400" dirty="0"/>
+              <a:t>Lineal.</a:t>
             </a:r>
           </a:p>
           <a:p>
@@ -12449,13 +12446,7 @@
               <a:buChar char="q"/>
             </a:pPr>
             <a:r>
-              <a:rPr lang="es-MX" sz="2400" dirty="0">
-                <a:solidFill>
-                  <a:schemeClr val="tx2">
-                    <a:lumMod val="75000"/>
-                  </a:schemeClr>
-                </a:solidFill>
-              </a:rPr>
+              <a:rPr lang="es-MX" sz="2400" dirty="0"/>
               <a:t>Binaria.</a:t>
             </a:r>
             <a:endParaRPr lang="es-MX" dirty="0"/>
@@ -12658,13 +12649,7 @@
           </a:lstStyle>
           <a:p>
             <a:r>
-              <a:rPr lang="es-MX" sz="2400" b="1" dirty="0">
-                <a:solidFill>
-                  <a:schemeClr val="tx2">
-                    <a:lumMod val="75000"/>
-                  </a:schemeClr>
-                </a:solidFill>
-              </a:rPr>
+              <a:rPr lang="es-MX" sz="2400" b="1" dirty="0"/>
               <a:t>Ordenamiento:</a:t>
             </a:r>
           </a:p>
@@ -12674,43 +12659,19 @@
               <a:buChar char="q"/>
             </a:pPr>
             <a:r>
-              <a:rPr lang="es-MX" sz="2400" dirty="0" err="1">
-                <a:solidFill>
-                  <a:schemeClr val="tx2">
-                    <a:lumMod val="75000"/>
-                  </a:schemeClr>
-                </a:solidFill>
-              </a:rPr>
+              <a:rPr lang="es-MX" sz="2400" dirty="0" err="1"/>
               <a:t>Bubble</a:t>
             </a:r>
             <a:r>
-              <a:rPr lang="es-MX" sz="2400" dirty="0">
-                <a:solidFill>
-                  <a:schemeClr val="tx2">
-                    <a:lumMod val="75000"/>
-                  </a:schemeClr>
-                </a:solidFill>
-              </a:rPr>
+              <a:rPr lang="es-MX" sz="2400" dirty="0"/>
               <a:t> </a:t>
             </a:r>
             <a:r>
-              <a:rPr lang="es-MX" sz="2400" dirty="0" err="1">
-                <a:solidFill>
-                  <a:schemeClr val="tx2">
-                    <a:lumMod val="75000"/>
-                  </a:schemeClr>
-                </a:solidFill>
-              </a:rPr>
+              <a:rPr lang="es-MX" sz="2400" dirty="0" err="1"/>
               <a:t>sort</a:t>
             </a:r>
             <a:r>
-              <a:rPr lang="es-MX" sz="2400" dirty="0">
-                <a:solidFill>
-                  <a:schemeClr val="tx2">
-                    <a:lumMod val="75000"/>
-                  </a:schemeClr>
-                </a:solidFill>
-              </a:rPr>
+              <a:rPr lang="es-MX" sz="2400" dirty="0"/>
               <a:t>.</a:t>
             </a:r>
           </a:p>
@@ -12720,23 +12681,11 @@
               <a:buChar char="q"/>
             </a:pPr>
             <a:r>
-              <a:rPr lang="es-MX" sz="2400" dirty="0" err="1">
-                <a:solidFill>
-                  <a:schemeClr val="tx2">
-                    <a:lumMod val="75000"/>
-                  </a:schemeClr>
-                </a:solidFill>
-              </a:rPr>
+              <a:rPr lang="es-MX" sz="2400" dirty="0" err="1"/>
               <a:t>Insertion</a:t>
             </a:r>
             <a:r>
-              <a:rPr lang="es-MX" sz="2400" dirty="0">
-                <a:solidFill>
-                  <a:schemeClr val="tx2">
-                    <a:lumMod val="75000"/>
-                  </a:schemeClr>
-                </a:solidFill>
-              </a:rPr>
+              <a:rPr lang="es-MX" sz="2400" dirty="0"/>
               <a:t>.</a:t>
             </a:r>
           </a:p>
@@ -12746,23 +12695,11 @@
               <a:buChar char="q"/>
             </a:pPr>
             <a:r>
-              <a:rPr lang="es-MX" sz="2400" dirty="0" err="1">
-                <a:solidFill>
-                  <a:schemeClr val="tx2">
-                    <a:lumMod val="75000"/>
-                  </a:schemeClr>
-                </a:solidFill>
-              </a:rPr>
+              <a:rPr lang="es-MX" sz="2400" dirty="0" err="1"/>
               <a:t>Selection</a:t>
             </a:r>
             <a:r>
-              <a:rPr lang="es-MX" sz="2400" dirty="0">
-                <a:solidFill>
-                  <a:schemeClr val="tx2">
-                    <a:lumMod val="75000"/>
-                  </a:schemeClr>
-                </a:solidFill>
-              </a:rPr>
+              <a:rPr lang="es-MX" sz="2400" dirty="0"/>
               <a:t>.</a:t>
             </a:r>
           </a:p>
@@ -12772,13 +12709,7 @@
               <a:buChar char="q"/>
             </a:pPr>
             <a:r>
-              <a:rPr lang="es-MX" sz="2400" dirty="0">
-                <a:solidFill>
-                  <a:schemeClr val="tx2">
-                    <a:lumMod val="75000"/>
-                  </a:schemeClr>
-                </a:solidFill>
-              </a:rPr>
+              <a:rPr lang="es-MX" sz="2400" dirty="0"/>
               <a:t>Quicksort.</a:t>
             </a:r>
           </a:p>
@@ -12788,43 +12719,19 @@
               <a:buChar char="q"/>
             </a:pPr>
             <a:r>
-              <a:rPr lang="es-MX" sz="2400" dirty="0" err="1">
-                <a:solidFill>
-                  <a:schemeClr val="tx2">
-                    <a:lumMod val="75000"/>
-                  </a:schemeClr>
-                </a:solidFill>
-              </a:rPr>
+              <a:rPr lang="es-MX" sz="2400" dirty="0" err="1"/>
               <a:t>Merge</a:t>
             </a:r>
             <a:r>
-              <a:rPr lang="es-MX" sz="2400" dirty="0">
-                <a:solidFill>
-                  <a:schemeClr val="tx2">
-                    <a:lumMod val="75000"/>
-                  </a:schemeClr>
-                </a:solidFill>
-              </a:rPr>
+              <a:rPr lang="es-MX" sz="2400" dirty="0"/>
               <a:t> </a:t>
             </a:r>
             <a:r>
-              <a:rPr lang="es-MX" sz="2400" dirty="0" err="1">
-                <a:solidFill>
-                  <a:schemeClr val="tx2">
-                    <a:lumMod val="75000"/>
-                  </a:schemeClr>
-                </a:solidFill>
-              </a:rPr>
+              <a:rPr lang="es-MX" sz="2400" dirty="0" err="1"/>
               <a:t>sort</a:t>
             </a:r>
             <a:r>
-              <a:rPr lang="es-MX" sz="2400" dirty="0">
-                <a:solidFill>
-                  <a:schemeClr val="tx2">
-                    <a:lumMod val="75000"/>
-                  </a:schemeClr>
-                </a:solidFill>
-              </a:rPr>
+              <a:rPr lang="es-MX" sz="2400" dirty="0"/>
               <a:t>.</a:t>
             </a:r>
           </a:p>
@@ -12941,7 +12848,7 @@
         </p:nvSpPr>
         <p:spPr>
           <a:xfrm>
-            <a:off x="594360" y="102875"/>
+            <a:off x="484177" y="1164321"/>
             <a:ext cx="10873740" cy="719583"/>
           </a:xfrm>
         </p:spPr>
@@ -12955,8 +12862,8 @@
           <a:p>
             <a:pPr rtl="0"/>
             <a:r>
-              <a:rPr lang="es-ES"/>
-              <a:t>Marco Teórico – Conceptos Clave</a:t>
+              <a:rPr lang="es-ES" sz="4000" dirty="0"/>
+              <a:t>Eficiencia en algoritmos: Análisis Asintótico</a:t>
             </a:r>
           </a:p>
         </p:txBody>
@@ -12979,13 +12886,13 @@
         </p:nvSpPr>
         <p:spPr>
           <a:xfrm>
-            <a:off x="7723862" y="1933085"/>
-            <a:ext cx="4084319" cy="4322672"/>
+            <a:off x="591542" y="2443466"/>
+            <a:ext cx="6287560" cy="4322672"/>
           </a:xfrm>
         </p:spPr>
         <p:txBody>
           <a:bodyPr rtlCol="0">
-            <a:normAutofit lnSpcReduction="10000"/>
+            <a:normAutofit/>
           </a:bodyPr>
           <a:lstStyle>
             <a:defPPr>
@@ -13007,15 +12914,13 @@
               <a:buChar char="q"/>
             </a:pPr>
             <a:r>
-              <a:rPr lang="es-ES" sz="2200" b="1">
-                <a:solidFill>
-                  <a:schemeClr val="tx2">
-                    <a:lumMod val="75000"/>
-                  </a:schemeClr>
-                </a:solidFill>
-              </a:rPr>
-              <a:t>Virtualización</a:t>
-            </a:r>
+              <a:rPr lang="es-ES" dirty="0"/>
+              <a:t>Estudia como se comporta un algoritmo cuando crece el tamaño de la entrada hacia el infinito.</a:t>
+            </a:r>
+            <a:br>
+              <a:rPr lang="es-ES" dirty="0"/>
+            </a:br>
+            <a:endParaRPr lang="es-ES" dirty="0"/>
           </a:p>
           <a:p>
             <a:pPr marL="740664" indent="-457200" rtl="0">
@@ -13032,14 +12937,8 @@
               <a:buChar char="q"/>
             </a:pPr>
             <a:r>
-              <a:rPr lang="es-ES" sz="2200" b="1">
-                <a:solidFill>
-                  <a:schemeClr val="tx2">
-                    <a:lumMod val="75000"/>
-                  </a:schemeClr>
-                </a:solidFill>
-              </a:rPr>
-              <a:t>Docker</a:t>
+              <a:rPr lang="es-ES" dirty="0"/>
+              <a:t>Complejidad espacial y complejidad temporal.</a:t>
             </a:r>
           </a:p>
           <a:p>
@@ -13056,16 +12955,7 @@
               <a:buFont typeface="Wingdings" panose="05000000000000000000" pitchFamily="2" charset="2"/>
               <a:buChar char="q"/>
             </a:pPr>
-            <a:r>
-              <a:rPr lang="es-ES" sz="2200" b="1">
-                <a:solidFill>
-                  <a:schemeClr val="tx2">
-                    <a:lumMod val="75000"/>
-                  </a:schemeClr>
-                </a:solidFill>
-              </a:rPr>
-              <a:t>Docker Daemon</a:t>
-            </a:r>
+            <a:endParaRPr lang="es-ES" dirty="0"/>
           </a:p>
           <a:p>
             <a:pPr marL="740664" indent="-457200" rtl="0">
@@ -13082,173 +12972,9 @@
               <a:buChar char="q"/>
             </a:pPr>
             <a:r>
-              <a:rPr lang="es-ES" sz="2200" b="1">
-                <a:solidFill>
-                  <a:schemeClr val="tx2">
-                    <a:lumMod val="75000"/>
-                  </a:schemeClr>
-                </a:solidFill>
-              </a:rPr>
-              <a:t>Docker CLI</a:t>
-            </a:r>
-          </a:p>
-          <a:p>
-            <a:pPr marL="740664" indent="-457200" rtl="0">
-              <a:lnSpc>
-                <a:spcPct val="120000"/>
-              </a:lnSpc>
-              <a:spcBef>
-                <a:spcPts val="0"/>
-              </a:spcBef>
-              <a:spcAft>
-                <a:spcPts val="790"/>
-              </a:spcAft>
-              <a:buFont typeface="Wingdings" panose="05000000000000000000" pitchFamily="2" charset="2"/>
-              <a:buChar char="q"/>
-            </a:pPr>
-            <a:r>
-              <a:rPr lang="es-ES" sz="2200" b="1">
-                <a:solidFill>
-                  <a:schemeClr val="tx2">
-                    <a:lumMod val="75000"/>
-                  </a:schemeClr>
-                </a:solidFill>
-              </a:rPr>
-              <a:t>Docker </a:t>
-            </a:r>
-            <a:r>
-              <a:rPr lang="es-ES" sz="2200" b="1" err="1">
-                <a:solidFill>
-                  <a:schemeClr val="tx2">
-                    <a:lumMod val="75000"/>
-                  </a:schemeClr>
-                </a:solidFill>
-              </a:rPr>
-              <a:t>Image</a:t>
-            </a:r>
-            <a:endParaRPr lang="es-ES" sz="2200" b="1">
-              <a:solidFill>
-                <a:schemeClr val="tx2">
-                  <a:lumMod val="75000"/>
-                </a:schemeClr>
-              </a:solidFill>
-            </a:endParaRPr>
-          </a:p>
-          <a:p>
-            <a:pPr marL="740664" indent="-457200">
-              <a:lnSpc>
-                <a:spcPct val="120000"/>
-              </a:lnSpc>
-              <a:spcBef>
-                <a:spcPts val="0"/>
-              </a:spcBef>
-              <a:spcAft>
-                <a:spcPts val="790"/>
-              </a:spcAft>
-              <a:buFont typeface="Wingdings" panose="05000000000000000000" pitchFamily="2" charset="2"/>
-              <a:buChar char="q"/>
-            </a:pPr>
-            <a:r>
-              <a:rPr lang="es-ES" sz="2200" b="1">
-                <a:solidFill>
-                  <a:schemeClr val="tx2">
-                    <a:lumMod val="75000"/>
-                  </a:schemeClr>
-                </a:solidFill>
-              </a:rPr>
-              <a:t>Docker </a:t>
-            </a:r>
-            <a:r>
-              <a:rPr lang="es-ES" sz="2200" b="1" err="1">
-                <a:solidFill>
-                  <a:schemeClr val="tx2">
-                    <a:lumMod val="75000"/>
-                  </a:schemeClr>
-                </a:solidFill>
-              </a:rPr>
-              <a:t>Containter</a:t>
-            </a:r>
-            <a:endParaRPr lang="es-ES" sz="2200" b="1">
-              <a:solidFill>
-                <a:schemeClr val="tx2">
-                  <a:lumMod val="75000"/>
-                </a:schemeClr>
-              </a:solidFill>
-            </a:endParaRPr>
-          </a:p>
-          <a:p>
-            <a:pPr marL="740664" indent="-457200" rtl="0">
-              <a:lnSpc>
-                <a:spcPct val="120000"/>
-              </a:lnSpc>
-              <a:spcBef>
-                <a:spcPts val="0"/>
-              </a:spcBef>
-              <a:spcAft>
-                <a:spcPts val="790"/>
-              </a:spcAft>
-              <a:buFont typeface="Wingdings" panose="05000000000000000000" pitchFamily="2" charset="2"/>
-              <a:buChar char="q"/>
-            </a:pPr>
-            <a:r>
-              <a:rPr lang="es-ES" sz="2200" b="1">
-                <a:solidFill>
-                  <a:schemeClr val="tx2">
-                    <a:lumMod val="75000"/>
-                  </a:schemeClr>
-                </a:solidFill>
-              </a:rPr>
-              <a:t>Docker </a:t>
-            </a:r>
-            <a:r>
-              <a:rPr lang="es-ES" sz="2200" b="1" err="1">
-                <a:solidFill>
-                  <a:schemeClr val="tx2">
-                    <a:lumMod val="75000"/>
-                  </a:schemeClr>
-                </a:solidFill>
-              </a:rPr>
-              <a:t>Compose</a:t>
-            </a:r>
-            <a:r>
-              <a:rPr lang="es-ES" sz="2200" b="1">
-                <a:solidFill>
-                  <a:schemeClr val="tx2">
-                    <a:lumMod val="75000"/>
-                  </a:schemeClr>
-                </a:solidFill>
-              </a:rPr>
-              <a:t> </a:t>
-            </a:r>
-          </a:p>
-          <a:p>
-            <a:pPr marL="740664" indent="-457200" rtl="0">
-              <a:lnSpc>
-                <a:spcPct val="120000"/>
-              </a:lnSpc>
-              <a:spcBef>
-                <a:spcPts val="0"/>
-              </a:spcBef>
-              <a:spcAft>
-                <a:spcPts val="790"/>
-              </a:spcAft>
-              <a:buFont typeface="Wingdings" panose="05000000000000000000" pitchFamily="2" charset="2"/>
-              <a:buChar char="q"/>
-            </a:pPr>
-            <a:r>
-              <a:rPr lang="es-ES" sz="2200" b="1">
-                <a:solidFill>
-                  <a:schemeClr val="tx2">
-                    <a:lumMod val="75000"/>
-                  </a:schemeClr>
-                </a:solidFill>
-              </a:rPr>
-              <a:t>Redes de Docker</a:t>
-            </a:r>
-            <a:br>
-              <a:rPr lang="es-ES"/>
-            </a:br>
-            <a:endParaRPr lang="es-ES"/>
+              <a:rPr lang="es-ES" dirty="0"/>
+              <a:t>Notación Big O.</a:t>
+            </a:r>
           </a:p>
         </p:txBody>
       </p:sp>
@@ -13601,10 +13327,10 @@
       </p:grpSp>
       <p:pic>
         <p:nvPicPr>
-          <p:cNvPr id="4" name="Imagen 3">
+          <p:cNvPr id="9" name="Imagen 8">
             <a:extLst>
               <a:ext uri="{FF2B5EF4-FFF2-40B4-BE49-F238E27FC236}">
-                <a16:creationId xmlns:a16="http://schemas.microsoft.com/office/drawing/2014/main" id="{8BF1F5EB-21A5-9AD7-53A8-CEEAB06A41BE}"/>
+                <a16:creationId xmlns:a16="http://schemas.microsoft.com/office/drawing/2014/main" id="{A5F927F2-2EB5-E9C4-842F-95F45FB29928}"/>
               </a:ext>
             </a:extLst>
           </p:cNvPr>
@@ -13621,127 +13347,14 @@
         </p:blipFill>
         <p:spPr>
           <a:xfrm>
-            <a:off x="138860" y="2286991"/>
-            <a:ext cx="7320393" cy="3896420"/>
+            <a:off x="6879102" y="2350886"/>
+            <a:ext cx="4926726" cy="3539846"/>
           </a:xfrm>
           <a:prstGeom prst="rect">
             <a:avLst/>
           </a:prstGeom>
         </p:spPr>
       </p:pic>
-      <p:sp>
-        <p:nvSpPr>
-          <p:cNvPr id="5" name="Título 2">
-            <a:extLst>
-              <a:ext uri="{FF2B5EF4-FFF2-40B4-BE49-F238E27FC236}">
-                <a16:creationId xmlns:a16="http://schemas.microsoft.com/office/drawing/2014/main" id="{C6F7A441-4AAB-2A52-F3B6-B620AEBFA467}"/>
-              </a:ext>
-            </a:extLst>
-          </p:cNvPr>
-          <p:cNvSpPr txBox="1">
-            <a:spLocks/>
-          </p:cNvSpPr>
-          <p:nvPr/>
-        </p:nvSpPr>
-        <p:spPr>
-          <a:xfrm>
-            <a:off x="604011" y="1213502"/>
-            <a:ext cx="4084320" cy="719583"/>
-          </a:xfrm>
-          <a:prstGeom prst="rect">
-            <a:avLst/>
-          </a:prstGeom>
-        </p:spPr>
-        <p:txBody>
-          <a:bodyPr vert="horz" lIns="0" tIns="0" rIns="0" bIns="0" rtlCol="0" anchor="b" anchorCtr="0">
-            <a:noAutofit/>
-          </a:bodyPr>
-          <a:lstStyle>
-            <a:defPPr>
-              <a:defRPr lang="es-ES"/>
-            </a:defPPr>
-            <a:lvl1pPr algn="l" defTabSz="914400" rtl="0" eaLnBrk="1" latinLnBrk="0" hangingPunct="1">
-              <a:lnSpc>
-                <a:spcPct val="80000"/>
-              </a:lnSpc>
-              <a:spcBef>
-                <a:spcPct val="0"/>
-              </a:spcBef>
-              <a:buNone/>
-              <a:defRPr lang="es-ES" sz="4400" b="1" i="0" kern="1200" spc="100" baseline="0">
-                <a:solidFill>
-                  <a:schemeClr val="bg1"/>
-                </a:solidFill>
-                <a:latin typeface="+mj-lt"/>
-                <a:ea typeface="+mj-ea"/>
-                <a:cs typeface="+mj-cs"/>
-              </a:defRPr>
-            </a:lvl1pPr>
-            <a:lvl2pPr eaLnBrk="1" hangingPunct="1">
-              <a:defRPr lang="es-ES">
-                <a:solidFill>
-                  <a:schemeClr val="tx2"/>
-                </a:solidFill>
-              </a:defRPr>
-            </a:lvl2pPr>
-            <a:lvl3pPr eaLnBrk="1" hangingPunct="1">
-              <a:defRPr lang="es-ES">
-                <a:solidFill>
-                  <a:schemeClr val="tx2"/>
-                </a:solidFill>
-              </a:defRPr>
-            </a:lvl3pPr>
-            <a:lvl4pPr eaLnBrk="1" hangingPunct="1">
-              <a:defRPr lang="es-ES">
-                <a:solidFill>
-                  <a:schemeClr val="tx2"/>
-                </a:solidFill>
-              </a:defRPr>
-            </a:lvl4pPr>
-            <a:lvl5pPr eaLnBrk="1" hangingPunct="1">
-              <a:defRPr lang="es-ES">
-                <a:solidFill>
-                  <a:schemeClr val="tx2"/>
-                </a:solidFill>
-              </a:defRPr>
-            </a:lvl5pPr>
-            <a:lvl6pPr eaLnBrk="1" hangingPunct="1">
-              <a:defRPr lang="es-ES">
-                <a:solidFill>
-                  <a:schemeClr val="tx2"/>
-                </a:solidFill>
-              </a:defRPr>
-            </a:lvl6pPr>
-            <a:lvl7pPr eaLnBrk="1" hangingPunct="1">
-              <a:defRPr lang="es-ES">
-                <a:solidFill>
-                  <a:schemeClr val="tx2"/>
-                </a:solidFill>
-              </a:defRPr>
-            </a:lvl7pPr>
-            <a:lvl8pPr eaLnBrk="1" hangingPunct="1">
-              <a:defRPr lang="es-ES">
-                <a:solidFill>
-                  <a:schemeClr val="tx2"/>
-                </a:solidFill>
-              </a:defRPr>
-            </a:lvl8pPr>
-            <a:lvl9pPr eaLnBrk="1" hangingPunct="1">
-              <a:defRPr lang="es-ES">
-                <a:solidFill>
-                  <a:schemeClr val="tx2"/>
-                </a:solidFill>
-              </a:defRPr>
-            </a:lvl9pPr>
-          </a:lstStyle>
-          <a:p>
-            <a:r>
-              <a:rPr lang="es-419" sz="3200"/>
-              <a:t>Arquitectura Docker</a:t>
-            </a:r>
-          </a:p>
-        </p:txBody>
-      </p:sp>
     </p:spTree>
     <p:extLst>
       <p:ext uri="{BB962C8B-B14F-4D97-AF65-F5344CB8AC3E}">
@@ -13760,13 +13373,7 @@
   <p:cSld>
     <p:spTree>
       <p:nvGrpSpPr>
-        <p:cNvPr id="1" name="">
-          <a:extLst>
-            <a:ext uri="{FF2B5EF4-FFF2-40B4-BE49-F238E27FC236}">
-              <a16:creationId xmlns:a16="http://schemas.microsoft.com/office/drawing/2014/main" id="{C21633A5-8BE3-D44D-57F3-2EF161376844}"/>
-            </a:ext>
-          </a:extLst>
-        </p:cNvPr>
+        <p:cNvPr id="1" name=""/>
         <p:cNvGrpSpPr/>
         <p:nvPr/>
       </p:nvGrpSpPr>
@@ -13780,10 +13387,10 @@
       </p:grpSpPr>
       <p:sp>
         <p:nvSpPr>
-          <p:cNvPr id="9" name="Título 8">
+          <p:cNvPr id="6" name="Título 5">
             <a:extLst>
               <a:ext uri="{FF2B5EF4-FFF2-40B4-BE49-F238E27FC236}">
-                <a16:creationId xmlns:a16="http://schemas.microsoft.com/office/drawing/2014/main" id="{5AB6D40A-2A0A-AF3D-8CF7-3ECD37765637}"/>
+                <a16:creationId xmlns:a16="http://schemas.microsoft.com/office/drawing/2014/main" id="{E6544161-1B5A-4C05-E9BD-84C423D01B53}"/>
               </a:ext>
             </a:extLst>
           </p:cNvPr>
@@ -13791,147 +13398,1273 @@
             <a:spLocks noGrp="1"/>
           </p:cNvSpPr>
           <p:nvPr>
-            <p:ph type="ctrTitle"/>
+            <p:ph type="title"/>
           </p:nvPr>
         </p:nvSpPr>
-        <p:spPr>
-          <a:xfrm>
-            <a:off x="6096000" y="245940"/>
-            <a:ext cx="5791707" cy="1038949"/>
-          </a:xfrm>
-        </p:spPr>
+        <p:spPr/>
         <p:txBody>
-          <a:bodyPr rtlCol="0"/>
-          <a:lstStyle>
-            <a:defPPr>
-              <a:defRPr lang="es-ES"/>
-            </a:defPPr>
-          </a:lstStyle>
-          <a:p>
-            <a:pPr rtl="0"/>
-            <a:r>
-              <a:rPr lang="es-ES"/>
-              <a:t>Por que no </a:t>
-            </a:r>
-            <a:r>
-              <a:rPr lang="es-ES" err="1"/>
-              <a:t>VMs</a:t>
-            </a:r>
-            <a:r>
-              <a:rPr lang="es-ES"/>
-              <a:t>?</a:t>
-            </a:r>
+          <a:bodyPr/>
+          <a:lstStyle/>
+          <a:p>
+            <a:r>
+              <a:rPr lang="es-MX" dirty="0"/>
+              <a:t>Comparación de Performance</a:t>
+            </a:r>
+            <a:endParaRPr lang="es-AR" dirty="0"/>
           </a:p>
         </p:txBody>
       </p:sp>
-      <p:sp>
-        <p:nvSpPr>
-          <p:cNvPr id="3" name="Marcador de texto 2">
+      <p:graphicFrame>
+        <p:nvGraphicFramePr>
+          <p:cNvPr id="11" name="Marcador de contenido 10">
             <a:extLst>
               <a:ext uri="{FF2B5EF4-FFF2-40B4-BE49-F238E27FC236}">
-                <a16:creationId xmlns:a16="http://schemas.microsoft.com/office/drawing/2014/main" id="{591442CD-A26D-1761-8CE7-8BC3075BB4ED}"/>
+                <a16:creationId xmlns:a16="http://schemas.microsoft.com/office/drawing/2014/main" id="{F7030142-8987-7B25-7F7B-3ABA16F88218}"/>
               </a:ext>
             </a:extLst>
           </p:cNvPr>
-          <p:cNvSpPr>
-            <a:spLocks noGrp="1"/>
-          </p:cNvSpPr>
+          <p:cNvGraphicFramePr>
+            <a:graphicFrameLocks noGrp="1"/>
+          </p:cNvGraphicFramePr>
           <p:nvPr>
-            <p:ph type="body" sz="quarter" idx="11"/>
+            <p:ph sz="quarter" idx="15"/>
+            <p:extLst>
+              <p:ext uri="{D42A27DB-BD31-4B8C-83A1-F6EECF244321}">
+                <p14:modId xmlns:p14="http://schemas.microsoft.com/office/powerpoint/2010/main" val="3663079837"/>
+              </p:ext>
+            </p:extLst>
           </p:nvPr>
-        </p:nvSpPr>
-        <p:spPr>
-          <a:xfrm>
-            <a:off x="6096000" y="1645921"/>
-            <a:ext cx="5486400" cy="1907251"/>
-          </a:xfrm>
-        </p:spPr>
-        <p:txBody>
-          <a:bodyPr rtlCol="0">
-            <a:normAutofit lnSpcReduction="10000"/>
-          </a:bodyPr>
-          <a:lstStyle>
-            <a:defPPr>
-              <a:defRPr lang="es-ES"/>
-            </a:defPPr>
-          </a:lstStyle>
-          <a:p>
-            <a:pPr marL="342900" indent="-342900" rtl="0">
-              <a:buFontTx/>
-              <a:buChar char="-"/>
-            </a:pPr>
-            <a:r>
-              <a:rPr lang="es-419"/>
-              <a:t>Mayor consumo de recursos y rendimiento.</a:t>
-            </a:r>
-          </a:p>
-          <a:p>
-            <a:pPr marL="342900" indent="-342900" rtl="0">
-              <a:buFontTx/>
-              <a:buChar char="-"/>
-            </a:pPr>
-            <a:r>
-              <a:rPr lang="es-419"/>
-              <a:t>Arranque más lento.</a:t>
-            </a:r>
-          </a:p>
-          <a:p>
-            <a:pPr marL="342900" indent="-342900" rtl="0">
-              <a:buFontTx/>
-              <a:buChar char="-"/>
-            </a:pPr>
-            <a:r>
-              <a:rPr lang="es-419"/>
-              <a:t>Despliegue menos ágil.</a:t>
-            </a:r>
-          </a:p>
-          <a:p>
-            <a:pPr marL="342900" indent="-342900" rtl="0">
-              <a:buFontTx/>
-              <a:buChar char="-"/>
-            </a:pPr>
-            <a:r>
-              <a:rPr lang="es-419"/>
-              <a:t>Menor portabilidad.</a:t>
-            </a:r>
-            <a:endParaRPr lang="es-ES"/>
-          </a:p>
-        </p:txBody>
-      </p:sp>
-      <p:pic>
-        <p:nvPicPr>
-          <p:cNvPr id="4" name="Imagen 3">
-            <a:extLst>
-              <a:ext uri="{FF2B5EF4-FFF2-40B4-BE49-F238E27FC236}">
-                <a16:creationId xmlns:a16="http://schemas.microsoft.com/office/drawing/2014/main" id="{4D64AAF9-C814-6E63-8A99-87ACFF3C2845}"/>
-              </a:ext>
-            </a:extLst>
-          </p:cNvPr>
-          <p:cNvPicPr>
-            <a:picLocks noChangeAspect="1"/>
-          </p:cNvPicPr>
-          <p:nvPr/>
-        </p:nvPicPr>
-        <p:blipFill>
-          <a:blip r:embed="rId3"/>
-          <a:stretch>
-            <a:fillRect/>
-          </a:stretch>
-        </p:blipFill>
-        <p:spPr>
-          <a:xfrm>
-            <a:off x="6095999" y="3697332"/>
-            <a:ext cx="5791707" cy="2763821"/>
-          </a:xfrm>
-          <a:prstGeom prst="rect">
-            <a:avLst/>
-          </a:prstGeom>
-        </p:spPr>
-      </p:pic>
+        </p:nvGraphicFramePr>
+        <p:xfrm>
+          <a:off x="1051804" y="2599104"/>
+          <a:ext cx="10272686" cy="3629468"/>
+        </p:xfrm>
+        <a:graphic>
+          <a:graphicData uri="http://schemas.openxmlformats.org/drawingml/2006/table">
+            <a:tbl>
+              <a:tblPr>
+                <a:tableStyleId>{8A107856-5554-42FB-B03E-39F5DBC370BA}</a:tableStyleId>
+              </a:tblPr>
+              <a:tblGrid>
+                <a:gridCol w="1404493">
+                  <a:extLst>
+                    <a:ext uri="{9D8B030D-6E8A-4147-A177-3AD203B41FA5}">
+                      <a16:colId xmlns:a16="http://schemas.microsoft.com/office/drawing/2014/main" val="1892889899"/>
+                    </a:ext>
+                  </a:extLst>
+                </a:gridCol>
+                <a:gridCol w="1102829">
+                  <a:extLst>
+                    <a:ext uri="{9D8B030D-6E8A-4147-A177-3AD203B41FA5}">
+                      <a16:colId xmlns:a16="http://schemas.microsoft.com/office/drawing/2014/main" val="3643452513"/>
+                    </a:ext>
+                  </a:extLst>
+                </a:gridCol>
+                <a:gridCol w="1208773">
+                  <a:extLst>
+                    <a:ext uri="{9D8B030D-6E8A-4147-A177-3AD203B41FA5}">
+                      <a16:colId xmlns:a16="http://schemas.microsoft.com/office/drawing/2014/main" val="500269926"/>
+                    </a:ext>
+                  </a:extLst>
+                </a:gridCol>
+                <a:gridCol w="1238698">
+                  <a:extLst>
+                    <a:ext uri="{9D8B030D-6E8A-4147-A177-3AD203B41FA5}">
+                      <a16:colId xmlns:a16="http://schemas.microsoft.com/office/drawing/2014/main" val="4184091935"/>
+                    </a:ext>
+                  </a:extLst>
+                </a:gridCol>
+                <a:gridCol w="1238698">
+                  <a:extLst>
+                    <a:ext uri="{9D8B030D-6E8A-4147-A177-3AD203B41FA5}">
+                      <a16:colId xmlns:a16="http://schemas.microsoft.com/office/drawing/2014/main" val="1915607881"/>
+                    </a:ext>
+                  </a:extLst>
+                </a:gridCol>
+                <a:gridCol w="4079195">
+                  <a:extLst>
+                    <a:ext uri="{9D8B030D-6E8A-4147-A177-3AD203B41FA5}">
+                      <a16:colId xmlns:a16="http://schemas.microsoft.com/office/drawing/2014/main" val="3607859689"/>
+                    </a:ext>
+                  </a:extLst>
+                </a:gridCol>
+              </a:tblGrid>
+              <a:tr h="310010">
+                <a:tc>
+                  <a:txBody>
+                    <a:bodyPr/>
+                    <a:lstStyle/>
+                    <a:p>
+                      <a:pPr algn="l" fontAlgn="b"/>
+                      <a:r>
+                        <a:rPr lang="es-MX" sz="1600" b="1" u="none" strike="noStrike" kern="1200" dirty="0">
+                          <a:solidFill>
+                            <a:schemeClr val="dk1"/>
+                          </a:solidFill>
+                          <a:effectLst/>
+                          <a:latin typeface="+mn-lt"/>
+                          <a:ea typeface="+mn-ea"/>
+                          <a:cs typeface="+mn-cs"/>
+                        </a:rPr>
+                        <a:t>ALGORTIMOS</a:t>
+                      </a:r>
+                      <a:endParaRPr lang="es-AR" sz="1600" b="1" u="none" strike="noStrike" kern="1200" dirty="0">
+                        <a:solidFill>
+                          <a:schemeClr val="dk1"/>
+                        </a:solidFill>
+                        <a:effectLst/>
+                        <a:latin typeface="+mn-lt"/>
+                        <a:ea typeface="+mn-ea"/>
+                        <a:cs typeface="+mn-cs"/>
+                      </a:endParaRPr>
+                    </a:p>
+                  </a:txBody>
+                  <a:tcPr marL="5389" marR="5389" marT="5389" marB="0" anchor="b"/>
+                </a:tc>
+                <a:tc>
+                  <a:txBody>
+                    <a:bodyPr/>
+                    <a:lstStyle/>
+                    <a:p>
+                      <a:pPr algn="l" fontAlgn="b"/>
+                      <a:r>
+                        <a:rPr lang="es-AR" sz="1600" b="1" u="none" strike="noStrike" dirty="0">
+                          <a:effectLst/>
+                        </a:rPr>
+                        <a:t>MEJOR</a:t>
+                      </a:r>
+                      <a:endParaRPr lang="es-AR" sz="1600" b="1" i="0" u="none" strike="noStrike" dirty="0">
+                        <a:solidFill>
+                          <a:srgbClr val="000000"/>
+                        </a:solidFill>
+                        <a:effectLst/>
+                        <a:latin typeface="Aptos Narrow" panose="020B0004020202020204" pitchFamily="34" charset="0"/>
+                      </a:endParaRPr>
+                    </a:p>
+                  </a:txBody>
+                  <a:tcPr marL="5389" marR="5389" marT="5389" marB="0" anchor="b"/>
+                </a:tc>
+                <a:tc>
+                  <a:txBody>
+                    <a:bodyPr/>
+                    <a:lstStyle/>
+                    <a:p>
+                      <a:pPr algn="l" fontAlgn="b"/>
+                      <a:r>
+                        <a:rPr lang="es-AR" sz="1600" b="1" u="none" strike="noStrike" dirty="0">
+                          <a:effectLst/>
+                        </a:rPr>
+                        <a:t>PEOR</a:t>
+                      </a:r>
+                      <a:endParaRPr lang="es-AR" sz="1600" b="1" i="0" u="none" strike="noStrike" dirty="0">
+                        <a:solidFill>
+                          <a:srgbClr val="000000"/>
+                        </a:solidFill>
+                        <a:effectLst/>
+                        <a:latin typeface="Aptos Narrow" panose="020B0004020202020204" pitchFamily="34" charset="0"/>
+                      </a:endParaRPr>
+                    </a:p>
+                  </a:txBody>
+                  <a:tcPr marL="5389" marR="5389" marT="5389" marB="0" anchor="b"/>
+                </a:tc>
+                <a:tc>
+                  <a:txBody>
+                    <a:bodyPr/>
+                    <a:lstStyle/>
+                    <a:p>
+                      <a:pPr algn="l" fontAlgn="b"/>
+                      <a:r>
+                        <a:rPr lang="es-AR" sz="1600" b="1" u="none" strike="noStrike">
+                          <a:effectLst/>
+                        </a:rPr>
+                        <a:t>PROMEDIO</a:t>
+                      </a:r>
+                      <a:endParaRPr lang="es-AR" sz="1600" b="1" i="0" u="none" strike="noStrike">
+                        <a:solidFill>
+                          <a:srgbClr val="000000"/>
+                        </a:solidFill>
+                        <a:effectLst/>
+                        <a:latin typeface="Aptos Narrow" panose="020B0004020202020204" pitchFamily="34" charset="0"/>
+                      </a:endParaRPr>
+                    </a:p>
+                  </a:txBody>
+                  <a:tcPr marL="5389" marR="5389" marT="5389" marB="0" anchor="b"/>
+                </a:tc>
+                <a:tc>
+                  <a:txBody>
+                    <a:bodyPr/>
+                    <a:lstStyle/>
+                    <a:p>
+                      <a:pPr algn="l" fontAlgn="b"/>
+                      <a:r>
+                        <a:rPr lang="es-AR" sz="1600" b="1" u="none" strike="noStrike">
+                          <a:effectLst/>
+                        </a:rPr>
+                        <a:t>ESPACIO</a:t>
+                      </a:r>
+                      <a:endParaRPr lang="es-AR" sz="1600" b="1" i="0" u="none" strike="noStrike">
+                        <a:solidFill>
+                          <a:srgbClr val="000000"/>
+                        </a:solidFill>
+                        <a:effectLst/>
+                        <a:latin typeface="Aptos Narrow" panose="020B0004020202020204" pitchFamily="34" charset="0"/>
+                      </a:endParaRPr>
+                    </a:p>
+                  </a:txBody>
+                  <a:tcPr marL="5389" marR="5389" marT="5389" marB="0" anchor="b"/>
+                </a:tc>
+                <a:tc>
+                  <a:txBody>
+                    <a:bodyPr/>
+                    <a:lstStyle/>
+                    <a:p>
+                      <a:pPr algn="l" fontAlgn="b"/>
+                      <a:r>
+                        <a:rPr lang="es-AR" sz="1600" b="1" u="none" strike="noStrike" dirty="0">
+                          <a:effectLst/>
+                        </a:rPr>
+                        <a:t>USO RECOMENDADO</a:t>
+                      </a:r>
+                      <a:endParaRPr lang="es-AR" sz="1600" b="1" i="0" u="none" strike="noStrike" dirty="0">
+                        <a:solidFill>
+                          <a:srgbClr val="000000"/>
+                        </a:solidFill>
+                        <a:effectLst/>
+                        <a:latin typeface="Aptos Narrow" panose="020B0004020202020204" pitchFamily="34" charset="0"/>
+                      </a:endParaRPr>
+                    </a:p>
+                  </a:txBody>
+                  <a:tcPr marL="5389" marR="5389" marT="5389" marB="0" anchor="b"/>
+                </a:tc>
+                <a:extLst>
+                  <a:ext uri="{0D108BD9-81ED-4DB2-BD59-A6C34878D82A}">
+                    <a16:rowId xmlns:a16="http://schemas.microsoft.com/office/drawing/2014/main" val="1738343626"/>
+                  </a:ext>
+                </a:extLst>
+              </a:tr>
+              <a:tr h="310010">
+                <a:tc>
+                  <a:txBody>
+                    <a:bodyPr/>
+                    <a:lstStyle/>
+                    <a:p>
+                      <a:pPr algn="l" fontAlgn="b"/>
+                      <a:r>
+                        <a:rPr lang="es-AR" sz="1400" u="none" strike="noStrike">
+                          <a:effectLst/>
+                        </a:rPr>
+                        <a:t>BURBUJA</a:t>
+                      </a:r>
+                      <a:endParaRPr lang="es-AR" sz="1400" b="0" i="0" u="none" strike="noStrike">
+                        <a:solidFill>
+                          <a:srgbClr val="000000"/>
+                        </a:solidFill>
+                        <a:effectLst/>
+                        <a:latin typeface="Aptos Narrow" panose="020B0004020202020204" pitchFamily="34" charset="0"/>
+                      </a:endParaRPr>
+                    </a:p>
+                  </a:txBody>
+                  <a:tcPr marL="5389" marR="5389" marT="5389" marB="0" anchor="b"/>
+                </a:tc>
+                <a:tc>
+                  <a:txBody>
+                    <a:bodyPr/>
+                    <a:lstStyle/>
+                    <a:p>
+                      <a:pPr algn="l" fontAlgn="b"/>
+                      <a:r>
+                        <a:rPr lang="es-AR" sz="1400" u="none" strike="noStrike">
+                          <a:effectLst/>
+                        </a:rPr>
+                        <a:t>O(n)</a:t>
+                      </a:r>
+                      <a:endParaRPr lang="es-AR" sz="1400" b="0" i="0" u="none" strike="noStrike">
+                        <a:solidFill>
+                          <a:srgbClr val="000000"/>
+                        </a:solidFill>
+                        <a:effectLst/>
+                        <a:latin typeface="Aptos Narrow" panose="020B0004020202020204" pitchFamily="34" charset="0"/>
+                      </a:endParaRPr>
+                    </a:p>
+                  </a:txBody>
+                  <a:tcPr marL="5389" marR="5389" marT="5389" marB="0" anchor="b"/>
+                </a:tc>
+                <a:tc>
+                  <a:txBody>
+                    <a:bodyPr/>
+                    <a:lstStyle/>
+                    <a:p>
+                      <a:pPr algn="l" fontAlgn="b"/>
+                      <a:r>
+                        <a:rPr lang="es-AR" sz="1400" u="none" strike="noStrike">
+                          <a:effectLst/>
+                        </a:rPr>
+                        <a:t>O(n^2)</a:t>
+                      </a:r>
+                      <a:endParaRPr lang="es-AR" sz="1400" b="0" i="0" u="none" strike="noStrike">
+                        <a:solidFill>
+                          <a:srgbClr val="000000"/>
+                        </a:solidFill>
+                        <a:effectLst/>
+                        <a:latin typeface="Aptos Narrow" panose="020B0004020202020204" pitchFamily="34" charset="0"/>
+                      </a:endParaRPr>
+                    </a:p>
+                  </a:txBody>
+                  <a:tcPr marL="5389" marR="5389" marT="5389" marB="0" anchor="b"/>
+                </a:tc>
+                <a:tc>
+                  <a:txBody>
+                    <a:bodyPr/>
+                    <a:lstStyle/>
+                    <a:p>
+                      <a:pPr algn="l" fontAlgn="b"/>
+                      <a:r>
+                        <a:rPr lang="es-AR" sz="1400" u="none" strike="noStrike">
+                          <a:effectLst/>
+                        </a:rPr>
+                        <a:t>O(n^2)</a:t>
+                      </a:r>
+                      <a:endParaRPr lang="es-AR" sz="1400" b="0" i="0" u="none" strike="noStrike">
+                        <a:solidFill>
+                          <a:srgbClr val="000000"/>
+                        </a:solidFill>
+                        <a:effectLst/>
+                        <a:latin typeface="Aptos Narrow" panose="020B0004020202020204" pitchFamily="34" charset="0"/>
+                      </a:endParaRPr>
+                    </a:p>
+                  </a:txBody>
+                  <a:tcPr marL="5389" marR="5389" marT="5389" marB="0" anchor="b"/>
+                </a:tc>
+                <a:tc>
+                  <a:txBody>
+                    <a:bodyPr/>
+                    <a:lstStyle/>
+                    <a:p>
+                      <a:pPr algn="l" fontAlgn="b"/>
+                      <a:r>
+                        <a:rPr lang="es-AR" sz="1400" u="none" strike="noStrike">
+                          <a:effectLst/>
+                        </a:rPr>
+                        <a:t>O(1)</a:t>
+                      </a:r>
+                      <a:endParaRPr lang="es-AR" sz="1400" b="0" i="0" u="none" strike="noStrike">
+                        <a:solidFill>
+                          <a:srgbClr val="000000"/>
+                        </a:solidFill>
+                        <a:effectLst/>
+                        <a:latin typeface="Aptos Narrow" panose="020B0004020202020204" pitchFamily="34" charset="0"/>
+                      </a:endParaRPr>
+                    </a:p>
+                  </a:txBody>
+                  <a:tcPr marL="5389" marR="5389" marT="5389" marB="0" anchor="b"/>
+                </a:tc>
+                <a:tc>
+                  <a:txBody>
+                    <a:bodyPr/>
+                    <a:lstStyle/>
+                    <a:p>
+                      <a:pPr algn="l" fontAlgn="b"/>
+                      <a:r>
+                        <a:rPr lang="es-AR" sz="1400" u="none" strike="noStrike" dirty="0">
+                          <a:effectLst/>
+                        </a:rPr>
+                        <a:t>LISTAS PEQUEÑAS O CASI ORDENADAS</a:t>
+                      </a:r>
+                      <a:endParaRPr lang="es-AR" sz="1400" b="0" i="0" u="none" strike="noStrike" dirty="0">
+                        <a:solidFill>
+                          <a:srgbClr val="000000"/>
+                        </a:solidFill>
+                        <a:effectLst/>
+                        <a:latin typeface="Aptos Narrow" panose="020B0004020202020204" pitchFamily="34" charset="0"/>
+                      </a:endParaRPr>
+                    </a:p>
+                  </a:txBody>
+                  <a:tcPr marL="5389" marR="5389" marT="5389" marB="0" anchor="b"/>
+                </a:tc>
+                <a:extLst>
+                  <a:ext uri="{0D108BD9-81ED-4DB2-BD59-A6C34878D82A}">
+                    <a16:rowId xmlns:a16="http://schemas.microsoft.com/office/drawing/2014/main" val="4097550709"/>
+                  </a:ext>
+                </a:extLst>
+              </a:tr>
+              <a:tr h="310010">
+                <a:tc>
+                  <a:txBody>
+                    <a:bodyPr/>
+                    <a:lstStyle/>
+                    <a:p>
+                      <a:pPr algn="l" fontAlgn="b"/>
+                      <a:r>
+                        <a:rPr lang="es-AR" sz="1400" u="none" strike="noStrike">
+                          <a:effectLst/>
+                        </a:rPr>
+                        <a:t>SELECCIÓN</a:t>
+                      </a:r>
+                      <a:endParaRPr lang="es-AR" sz="1400" b="0" i="0" u="none" strike="noStrike">
+                        <a:solidFill>
+                          <a:srgbClr val="000000"/>
+                        </a:solidFill>
+                        <a:effectLst/>
+                        <a:latin typeface="Aptos Narrow" panose="020B0004020202020204" pitchFamily="34" charset="0"/>
+                      </a:endParaRPr>
+                    </a:p>
+                  </a:txBody>
+                  <a:tcPr marL="5389" marR="5389" marT="5389" marB="0" anchor="b"/>
+                </a:tc>
+                <a:tc>
+                  <a:txBody>
+                    <a:bodyPr/>
+                    <a:lstStyle/>
+                    <a:p>
+                      <a:pPr algn="l" fontAlgn="b"/>
+                      <a:r>
+                        <a:rPr lang="es-AR" sz="1400" u="none" strike="noStrike">
+                          <a:effectLst/>
+                        </a:rPr>
+                        <a:t>O(n^2)</a:t>
+                      </a:r>
+                      <a:endParaRPr lang="es-AR" sz="1400" b="0" i="0" u="none" strike="noStrike">
+                        <a:solidFill>
+                          <a:srgbClr val="000000"/>
+                        </a:solidFill>
+                        <a:effectLst/>
+                        <a:latin typeface="Aptos Narrow" panose="020B0004020202020204" pitchFamily="34" charset="0"/>
+                      </a:endParaRPr>
+                    </a:p>
+                  </a:txBody>
+                  <a:tcPr marL="5389" marR="5389" marT="5389" marB="0" anchor="b"/>
+                </a:tc>
+                <a:tc>
+                  <a:txBody>
+                    <a:bodyPr/>
+                    <a:lstStyle/>
+                    <a:p>
+                      <a:pPr algn="l" fontAlgn="b"/>
+                      <a:r>
+                        <a:rPr lang="es-AR" sz="1400" u="none" strike="noStrike">
+                          <a:effectLst/>
+                        </a:rPr>
+                        <a:t>O(n^2)</a:t>
+                      </a:r>
+                      <a:endParaRPr lang="es-AR" sz="1400" b="0" i="0" u="none" strike="noStrike">
+                        <a:solidFill>
+                          <a:srgbClr val="000000"/>
+                        </a:solidFill>
+                        <a:effectLst/>
+                        <a:latin typeface="Aptos Narrow" panose="020B0004020202020204" pitchFamily="34" charset="0"/>
+                      </a:endParaRPr>
+                    </a:p>
+                  </a:txBody>
+                  <a:tcPr marL="5389" marR="5389" marT="5389" marB="0" anchor="b"/>
+                </a:tc>
+                <a:tc>
+                  <a:txBody>
+                    <a:bodyPr/>
+                    <a:lstStyle/>
+                    <a:p>
+                      <a:pPr algn="l" fontAlgn="b"/>
+                      <a:r>
+                        <a:rPr lang="es-AR" sz="1400" u="none" strike="noStrike">
+                          <a:effectLst/>
+                        </a:rPr>
+                        <a:t>O(n^2)</a:t>
+                      </a:r>
+                      <a:endParaRPr lang="es-AR" sz="1400" b="0" i="0" u="none" strike="noStrike">
+                        <a:solidFill>
+                          <a:srgbClr val="000000"/>
+                        </a:solidFill>
+                        <a:effectLst/>
+                        <a:latin typeface="Aptos Narrow" panose="020B0004020202020204" pitchFamily="34" charset="0"/>
+                      </a:endParaRPr>
+                    </a:p>
+                  </a:txBody>
+                  <a:tcPr marL="5389" marR="5389" marT="5389" marB="0" anchor="b"/>
+                </a:tc>
+                <a:tc>
+                  <a:txBody>
+                    <a:bodyPr/>
+                    <a:lstStyle/>
+                    <a:p>
+                      <a:pPr algn="l" fontAlgn="b"/>
+                      <a:r>
+                        <a:rPr lang="es-AR" sz="1400" u="none" strike="noStrike">
+                          <a:effectLst/>
+                        </a:rPr>
+                        <a:t>O(1)</a:t>
+                      </a:r>
+                      <a:endParaRPr lang="es-AR" sz="1400" b="0" i="0" u="none" strike="noStrike">
+                        <a:solidFill>
+                          <a:srgbClr val="000000"/>
+                        </a:solidFill>
+                        <a:effectLst/>
+                        <a:latin typeface="Aptos Narrow" panose="020B0004020202020204" pitchFamily="34" charset="0"/>
+                      </a:endParaRPr>
+                    </a:p>
+                  </a:txBody>
+                  <a:tcPr marL="5389" marR="5389" marT="5389" marB="0" anchor="b"/>
+                </a:tc>
+                <a:tc>
+                  <a:txBody>
+                    <a:bodyPr/>
+                    <a:lstStyle/>
+                    <a:p>
+                      <a:pPr algn="l" fontAlgn="b"/>
+                      <a:r>
+                        <a:rPr lang="es-AR" sz="1400" u="none" strike="noStrike" dirty="0">
+                          <a:effectLst/>
+                        </a:rPr>
+                        <a:t>LISTAS PEQUEÑAS</a:t>
+                      </a:r>
+                      <a:endParaRPr lang="es-AR" sz="1400" b="0" i="0" u="none" strike="noStrike" dirty="0">
+                        <a:solidFill>
+                          <a:srgbClr val="000000"/>
+                        </a:solidFill>
+                        <a:effectLst/>
+                        <a:latin typeface="Aptos Narrow" panose="020B0004020202020204" pitchFamily="34" charset="0"/>
+                      </a:endParaRPr>
+                    </a:p>
+                  </a:txBody>
+                  <a:tcPr marL="5389" marR="5389" marT="5389" marB="0" anchor="b"/>
+                </a:tc>
+                <a:extLst>
+                  <a:ext uri="{0D108BD9-81ED-4DB2-BD59-A6C34878D82A}">
+                    <a16:rowId xmlns:a16="http://schemas.microsoft.com/office/drawing/2014/main" val="692032719"/>
+                  </a:ext>
+                </a:extLst>
+              </a:tr>
+              <a:tr h="310010">
+                <a:tc>
+                  <a:txBody>
+                    <a:bodyPr/>
+                    <a:lstStyle/>
+                    <a:p>
+                      <a:pPr algn="l" fontAlgn="b"/>
+                      <a:r>
+                        <a:rPr lang="es-AR" sz="1400" u="none" strike="noStrike">
+                          <a:effectLst/>
+                        </a:rPr>
+                        <a:t>INSERCION</a:t>
+                      </a:r>
+                      <a:endParaRPr lang="es-AR" sz="1400" b="0" i="0" u="none" strike="noStrike">
+                        <a:solidFill>
+                          <a:srgbClr val="000000"/>
+                        </a:solidFill>
+                        <a:effectLst/>
+                        <a:latin typeface="Aptos Narrow" panose="020B0004020202020204" pitchFamily="34" charset="0"/>
+                      </a:endParaRPr>
+                    </a:p>
+                  </a:txBody>
+                  <a:tcPr marL="5389" marR="5389" marT="5389" marB="0" anchor="b"/>
+                </a:tc>
+                <a:tc>
+                  <a:txBody>
+                    <a:bodyPr/>
+                    <a:lstStyle/>
+                    <a:p>
+                      <a:pPr algn="l" fontAlgn="b"/>
+                      <a:r>
+                        <a:rPr lang="es-AR" sz="1400" u="none" strike="noStrike">
+                          <a:effectLst/>
+                        </a:rPr>
+                        <a:t>O(n)</a:t>
+                      </a:r>
+                      <a:endParaRPr lang="es-AR" sz="1400" b="0" i="0" u="none" strike="noStrike">
+                        <a:solidFill>
+                          <a:srgbClr val="000000"/>
+                        </a:solidFill>
+                        <a:effectLst/>
+                        <a:latin typeface="Aptos Narrow" panose="020B0004020202020204" pitchFamily="34" charset="0"/>
+                      </a:endParaRPr>
+                    </a:p>
+                  </a:txBody>
+                  <a:tcPr marL="5389" marR="5389" marT="5389" marB="0" anchor="b"/>
+                </a:tc>
+                <a:tc>
+                  <a:txBody>
+                    <a:bodyPr/>
+                    <a:lstStyle/>
+                    <a:p>
+                      <a:pPr algn="l" fontAlgn="b"/>
+                      <a:r>
+                        <a:rPr lang="es-AR" sz="1400" u="none" strike="noStrike">
+                          <a:effectLst/>
+                        </a:rPr>
+                        <a:t>O(n^2)</a:t>
+                      </a:r>
+                      <a:endParaRPr lang="es-AR" sz="1400" b="0" i="0" u="none" strike="noStrike">
+                        <a:solidFill>
+                          <a:srgbClr val="000000"/>
+                        </a:solidFill>
+                        <a:effectLst/>
+                        <a:latin typeface="Aptos Narrow" panose="020B0004020202020204" pitchFamily="34" charset="0"/>
+                      </a:endParaRPr>
+                    </a:p>
+                  </a:txBody>
+                  <a:tcPr marL="5389" marR="5389" marT="5389" marB="0" anchor="b"/>
+                </a:tc>
+                <a:tc>
+                  <a:txBody>
+                    <a:bodyPr/>
+                    <a:lstStyle/>
+                    <a:p>
+                      <a:pPr algn="l" fontAlgn="b"/>
+                      <a:r>
+                        <a:rPr lang="es-AR" sz="1400" u="none" strike="noStrike">
+                          <a:effectLst/>
+                        </a:rPr>
+                        <a:t>O(n^2)</a:t>
+                      </a:r>
+                      <a:endParaRPr lang="es-AR" sz="1400" b="0" i="0" u="none" strike="noStrike">
+                        <a:solidFill>
+                          <a:srgbClr val="000000"/>
+                        </a:solidFill>
+                        <a:effectLst/>
+                        <a:latin typeface="Aptos Narrow" panose="020B0004020202020204" pitchFamily="34" charset="0"/>
+                      </a:endParaRPr>
+                    </a:p>
+                  </a:txBody>
+                  <a:tcPr marL="5389" marR="5389" marT="5389" marB="0" anchor="b"/>
+                </a:tc>
+                <a:tc>
+                  <a:txBody>
+                    <a:bodyPr/>
+                    <a:lstStyle/>
+                    <a:p>
+                      <a:pPr algn="l" fontAlgn="b"/>
+                      <a:r>
+                        <a:rPr lang="es-AR" sz="1400" u="none" strike="noStrike">
+                          <a:effectLst/>
+                        </a:rPr>
+                        <a:t>O(1)</a:t>
+                      </a:r>
+                      <a:endParaRPr lang="es-AR" sz="1400" b="0" i="0" u="none" strike="noStrike">
+                        <a:solidFill>
+                          <a:srgbClr val="000000"/>
+                        </a:solidFill>
+                        <a:effectLst/>
+                        <a:latin typeface="Aptos Narrow" panose="020B0004020202020204" pitchFamily="34" charset="0"/>
+                      </a:endParaRPr>
+                    </a:p>
+                  </a:txBody>
+                  <a:tcPr marL="5389" marR="5389" marT="5389" marB="0" anchor="b"/>
+                </a:tc>
+                <a:tc>
+                  <a:txBody>
+                    <a:bodyPr/>
+                    <a:lstStyle/>
+                    <a:p>
+                      <a:pPr algn="l" fontAlgn="b"/>
+                      <a:r>
+                        <a:rPr lang="es-AR" sz="1400" u="none" strike="noStrike">
+                          <a:effectLst/>
+                        </a:rPr>
+                        <a:t>LISTA PEQUEÑAS O CASI ORDENADAS</a:t>
+                      </a:r>
+                      <a:endParaRPr lang="es-AR" sz="1400" b="0" i="0" u="none" strike="noStrike">
+                        <a:solidFill>
+                          <a:srgbClr val="000000"/>
+                        </a:solidFill>
+                        <a:effectLst/>
+                        <a:latin typeface="Aptos Narrow" panose="020B0004020202020204" pitchFamily="34" charset="0"/>
+                      </a:endParaRPr>
+                    </a:p>
+                  </a:txBody>
+                  <a:tcPr marL="5389" marR="5389" marT="5389" marB="0" anchor="b"/>
+                </a:tc>
+                <a:extLst>
+                  <a:ext uri="{0D108BD9-81ED-4DB2-BD59-A6C34878D82A}">
+                    <a16:rowId xmlns:a16="http://schemas.microsoft.com/office/drawing/2014/main" val="3196694189"/>
+                  </a:ext>
+                </a:extLst>
+              </a:tr>
+              <a:tr h="597357">
+                <a:tc>
+                  <a:txBody>
+                    <a:bodyPr/>
+                    <a:lstStyle/>
+                    <a:p>
+                      <a:pPr algn="l" fontAlgn="b"/>
+                      <a:r>
+                        <a:rPr lang="es-AR" sz="1400" u="none" strike="noStrike">
+                          <a:effectLst/>
+                        </a:rPr>
+                        <a:t>QUICKORT</a:t>
+                      </a:r>
+                      <a:endParaRPr lang="es-AR" sz="1400" b="0" i="0" u="none" strike="noStrike">
+                        <a:solidFill>
+                          <a:srgbClr val="000000"/>
+                        </a:solidFill>
+                        <a:effectLst/>
+                        <a:latin typeface="Aptos Narrow" panose="020B0004020202020204" pitchFamily="34" charset="0"/>
+                      </a:endParaRPr>
+                    </a:p>
+                  </a:txBody>
+                  <a:tcPr marL="5389" marR="5389" marT="5389" marB="0" anchor="b"/>
+                </a:tc>
+                <a:tc>
+                  <a:txBody>
+                    <a:bodyPr/>
+                    <a:lstStyle/>
+                    <a:p>
+                      <a:pPr algn="l" fontAlgn="b"/>
+                      <a:r>
+                        <a:rPr lang="es-AR" sz="1400" u="none" strike="noStrike" dirty="0">
+                          <a:effectLst/>
+                        </a:rPr>
+                        <a:t>O(n log n)</a:t>
+                      </a:r>
+                      <a:endParaRPr lang="es-AR" sz="1400" b="0" i="0" u="none" strike="noStrike" dirty="0">
+                        <a:solidFill>
+                          <a:srgbClr val="000000"/>
+                        </a:solidFill>
+                        <a:effectLst/>
+                        <a:latin typeface="Aptos Narrow" panose="020B0004020202020204" pitchFamily="34" charset="0"/>
+                      </a:endParaRPr>
+                    </a:p>
+                  </a:txBody>
+                  <a:tcPr marL="5389" marR="5389" marT="5389" marB="0" anchor="b"/>
+                </a:tc>
+                <a:tc>
+                  <a:txBody>
+                    <a:bodyPr/>
+                    <a:lstStyle/>
+                    <a:p>
+                      <a:pPr algn="l" fontAlgn="b"/>
+                      <a:r>
+                        <a:rPr lang="es-AR" sz="1400" u="none" strike="noStrike">
+                          <a:effectLst/>
+                        </a:rPr>
+                        <a:t>O(n^2)</a:t>
+                      </a:r>
+                      <a:endParaRPr lang="es-AR" sz="1400" b="0" i="0" u="none" strike="noStrike">
+                        <a:solidFill>
+                          <a:srgbClr val="000000"/>
+                        </a:solidFill>
+                        <a:effectLst/>
+                        <a:latin typeface="Aptos Narrow" panose="020B0004020202020204" pitchFamily="34" charset="0"/>
+                      </a:endParaRPr>
+                    </a:p>
+                  </a:txBody>
+                  <a:tcPr marL="5389" marR="5389" marT="5389" marB="0" anchor="b"/>
+                </a:tc>
+                <a:tc>
+                  <a:txBody>
+                    <a:bodyPr/>
+                    <a:lstStyle/>
+                    <a:p>
+                      <a:pPr algn="l" fontAlgn="b"/>
+                      <a:r>
+                        <a:rPr lang="es-AR" sz="1400" u="none" strike="noStrike">
+                          <a:effectLst/>
+                        </a:rPr>
+                        <a:t>O(n log n)</a:t>
+                      </a:r>
+                      <a:endParaRPr lang="es-AR" sz="1400" b="0" i="0" u="none" strike="noStrike">
+                        <a:solidFill>
+                          <a:srgbClr val="000000"/>
+                        </a:solidFill>
+                        <a:effectLst/>
+                        <a:latin typeface="Aptos Narrow" panose="020B0004020202020204" pitchFamily="34" charset="0"/>
+                      </a:endParaRPr>
+                    </a:p>
+                  </a:txBody>
+                  <a:tcPr marL="5389" marR="5389" marT="5389" marB="0" anchor="b"/>
+                </a:tc>
+                <a:tc>
+                  <a:txBody>
+                    <a:bodyPr/>
+                    <a:lstStyle/>
+                    <a:p>
+                      <a:pPr algn="l" fontAlgn="b"/>
+                      <a:r>
+                        <a:rPr lang="es-AR" sz="1400" u="none" strike="noStrike">
+                          <a:effectLst/>
+                        </a:rPr>
+                        <a:t>O(log n)</a:t>
+                      </a:r>
+                      <a:endParaRPr lang="es-AR" sz="1400" b="0" i="0" u="none" strike="noStrike">
+                        <a:solidFill>
+                          <a:srgbClr val="000000"/>
+                        </a:solidFill>
+                        <a:effectLst/>
+                        <a:latin typeface="Aptos Narrow" panose="020B0004020202020204" pitchFamily="34" charset="0"/>
+                      </a:endParaRPr>
+                    </a:p>
+                  </a:txBody>
+                  <a:tcPr marL="5389" marR="5389" marT="5389" marB="0" anchor="b"/>
+                </a:tc>
+                <a:tc>
+                  <a:txBody>
+                    <a:bodyPr/>
+                    <a:lstStyle/>
+                    <a:p>
+                      <a:pPr algn="l" fontAlgn="b"/>
+                      <a:r>
+                        <a:rPr lang="es-AR" sz="1400" u="none" strike="noStrike">
+                          <a:effectLst/>
+                        </a:rPr>
+                        <a:t>LISTAS GRANDES (EVITAR PEOR CASO)</a:t>
+                      </a:r>
+                      <a:endParaRPr lang="es-AR" sz="1400" b="0" i="0" u="none" strike="noStrike">
+                        <a:solidFill>
+                          <a:srgbClr val="000000"/>
+                        </a:solidFill>
+                        <a:effectLst/>
+                        <a:latin typeface="Aptos Narrow" panose="020B0004020202020204" pitchFamily="34" charset="0"/>
+                      </a:endParaRPr>
+                    </a:p>
+                  </a:txBody>
+                  <a:tcPr marL="5389" marR="5389" marT="5389" marB="0" anchor="b"/>
+                </a:tc>
+                <a:extLst>
+                  <a:ext uri="{0D108BD9-81ED-4DB2-BD59-A6C34878D82A}">
+                    <a16:rowId xmlns:a16="http://schemas.microsoft.com/office/drawing/2014/main" val="1123569490"/>
+                  </a:ext>
+                </a:extLst>
+              </a:tr>
+              <a:tr h="597357">
+                <a:tc>
+                  <a:txBody>
+                    <a:bodyPr/>
+                    <a:lstStyle/>
+                    <a:p>
+                      <a:pPr algn="l" fontAlgn="b"/>
+                      <a:r>
+                        <a:rPr lang="es-AR" sz="1400" u="none" strike="noStrike">
+                          <a:effectLst/>
+                        </a:rPr>
+                        <a:t>MERGE SORT</a:t>
+                      </a:r>
+                      <a:endParaRPr lang="es-AR" sz="1400" b="0" i="0" u="none" strike="noStrike">
+                        <a:solidFill>
+                          <a:srgbClr val="000000"/>
+                        </a:solidFill>
+                        <a:effectLst/>
+                        <a:latin typeface="Aptos Narrow" panose="020B0004020202020204" pitchFamily="34" charset="0"/>
+                      </a:endParaRPr>
+                    </a:p>
+                  </a:txBody>
+                  <a:tcPr marL="5389" marR="5389" marT="5389" marB="0" anchor="b"/>
+                </a:tc>
+                <a:tc>
+                  <a:txBody>
+                    <a:bodyPr/>
+                    <a:lstStyle/>
+                    <a:p>
+                      <a:pPr algn="l" fontAlgn="b"/>
+                      <a:r>
+                        <a:rPr lang="es-AR" sz="1400" u="none" strike="noStrike">
+                          <a:effectLst/>
+                        </a:rPr>
+                        <a:t>O(n log n)</a:t>
+                      </a:r>
+                      <a:endParaRPr lang="es-AR" sz="1400" b="0" i="0" u="none" strike="noStrike">
+                        <a:solidFill>
+                          <a:srgbClr val="000000"/>
+                        </a:solidFill>
+                        <a:effectLst/>
+                        <a:latin typeface="Aptos Narrow" panose="020B0004020202020204" pitchFamily="34" charset="0"/>
+                      </a:endParaRPr>
+                    </a:p>
+                  </a:txBody>
+                  <a:tcPr marL="5389" marR="5389" marT="5389" marB="0" anchor="b"/>
+                </a:tc>
+                <a:tc>
+                  <a:txBody>
+                    <a:bodyPr/>
+                    <a:lstStyle/>
+                    <a:p>
+                      <a:pPr algn="l" fontAlgn="b"/>
+                      <a:r>
+                        <a:rPr lang="es-AR" sz="1400" u="none" strike="noStrike">
+                          <a:effectLst/>
+                        </a:rPr>
+                        <a:t>O(n log n)</a:t>
+                      </a:r>
+                      <a:endParaRPr lang="es-AR" sz="1400" b="0" i="0" u="none" strike="noStrike">
+                        <a:solidFill>
+                          <a:srgbClr val="000000"/>
+                        </a:solidFill>
+                        <a:effectLst/>
+                        <a:latin typeface="Aptos Narrow" panose="020B0004020202020204" pitchFamily="34" charset="0"/>
+                      </a:endParaRPr>
+                    </a:p>
+                  </a:txBody>
+                  <a:tcPr marL="5389" marR="5389" marT="5389" marB="0" anchor="b"/>
+                </a:tc>
+                <a:tc>
+                  <a:txBody>
+                    <a:bodyPr/>
+                    <a:lstStyle/>
+                    <a:p>
+                      <a:pPr algn="l" fontAlgn="b"/>
+                      <a:r>
+                        <a:rPr lang="es-AR" sz="1400" u="none" strike="noStrike">
+                          <a:effectLst/>
+                        </a:rPr>
+                        <a:t>O(n log n)</a:t>
+                      </a:r>
+                      <a:endParaRPr lang="es-AR" sz="1400" b="0" i="0" u="none" strike="noStrike">
+                        <a:solidFill>
+                          <a:srgbClr val="000000"/>
+                        </a:solidFill>
+                        <a:effectLst/>
+                        <a:latin typeface="Aptos Narrow" panose="020B0004020202020204" pitchFamily="34" charset="0"/>
+                      </a:endParaRPr>
+                    </a:p>
+                  </a:txBody>
+                  <a:tcPr marL="5389" marR="5389" marT="5389" marB="0" anchor="b"/>
+                </a:tc>
+                <a:tc>
+                  <a:txBody>
+                    <a:bodyPr/>
+                    <a:lstStyle/>
+                    <a:p>
+                      <a:pPr algn="l" fontAlgn="ctr"/>
+                      <a:r>
+                        <a:rPr lang="es-AR" sz="1400" u="none" strike="noStrike">
+                          <a:effectLst/>
+                        </a:rPr>
+                        <a:t>O(n)</a:t>
+                      </a:r>
+                      <a:endParaRPr lang="es-AR" sz="1400" b="0" i="0" u="none" strike="noStrike">
+                        <a:solidFill>
+                          <a:srgbClr val="000000"/>
+                        </a:solidFill>
+                        <a:effectLst/>
+                        <a:latin typeface="Aptos Narrow" panose="020B0004020202020204" pitchFamily="34" charset="0"/>
+                      </a:endParaRPr>
+                    </a:p>
+                  </a:txBody>
+                  <a:tcPr marL="5389" marR="5389" marT="5389" marB="0" anchor="ctr"/>
+                </a:tc>
+                <a:tc>
+                  <a:txBody>
+                    <a:bodyPr/>
+                    <a:lstStyle/>
+                    <a:p>
+                      <a:pPr algn="l" fontAlgn="b"/>
+                      <a:r>
+                        <a:rPr lang="es-AR" sz="1400" u="none" strike="noStrike">
+                          <a:effectLst/>
+                        </a:rPr>
+                        <a:t>LISTAS GRANDES.</a:t>
+                      </a:r>
+                      <a:endParaRPr lang="es-AR" sz="1400" b="0" i="0" u="none" strike="noStrike">
+                        <a:solidFill>
+                          <a:srgbClr val="000000"/>
+                        </a:solidFill>
+                        <a:effectLst/>
+                        <a:latin typeface="Aptos Narrow" panose="020B0004020202020204" pitchFamily="34" charset="0"/>
+                      </a:endParaRPr>
+                    </a:p>
+                  </a:txBody>
+                  <a:tcPr marL="5389" marR="5389" marT="5389" marB="0" anchor="b"/>
+                </a:tc>
+                <a:extLst>
+                  <a:ext uri="{0D108BD9-81ED-4DB2-BD59-A6C34878D82A}">
+                    <a16:rowId xmlns:a16="http://schemas.microsoft.com/office/drawing/2014/main" val="134520758"/>
+                  </a:ext>
+                </a:extLst>
+              </a:tr>
+              <a:tr h="597357">
+                <a:tc>
+                  <a:txBody>
+                    <a:bodyPr/>
+                    <a:lstStyle/>
+                    <a:p>
+                      <a:pPr algn="l" fontAlgn="b"/>
+                      <a:r>
+                        <a:rPr lang="es-AR" sz="1400" u="none" strike="noStrike">
+                          <a:effectLst/>
+                        </a:rPr>
+                        <a:t>BÚSQUEDA LINEAL</a:t>
+                      </a:r>
+                      <a:endParaRPr lang="es-AR" sz="1400" b="0" i="0" u="none" strike="noStrike">
+                        <a:solidFill>
+                          <a:srgbClr val="000000"/>
+                        </a:solidFill>
+                        <a:effectLst/>
+                        <a:latin typeface="Aptos Narrow" panose="020B0004020202020204" pitchFamily="34" charset="0"/>
+                      </a:endParaRPr>
+                    </a:p>
+                  </a:txBody>
+                  <a:tcPr marL="5389" marR="5389" marT="5389" marB="0" anchor="b"/>
+                </a:tc>
+                <a:tc>
+                  <a:txBody>
+                    <a:bodyPr/>
+                    <a:lstStyle/>
+                    <a:p>
+                      <a:pPr algn="l" fontAlgn="b"/>
+                      <a:r>
+                        <a:rPr lang="es-AR" sz="1400" u="none" strike="noStrike">
+                          <a:effectLst/>
+                        </a:rPr>
+                        <a:t>O(1)</a:t>
+                      </a:r>
+                      <a:endParaRPr lang="es-AR" sz="1400" b="0" i="0" u="none" strike="noStrike">
+                        <a:solidFill>
+                          <a:srgbClr val="000000"/>
+                        </a:solidFill>
+                        <a:effectLst/>
+                        <a:latin typeface="Aptos Narrow" panose="020B0004020202020204" pitchFamily="34" charset="0"/>
+                      </a:endParaRPr>
+                    </a:p>
+                  </a:txBody>
+                  <a:tcPr marL="5389" marR="5389" marT="5389" marB="0" anchor="b"/>
+                </a:tc>
+                <a:tc>
+                  <a:txBody>
+                    <a:bodyPr/>
+                    <a:lstStyle/>
+                    <a:p>
+                      <a:pPr algn="l" fontAlgn="b"/>
+                      <a:r>
+                        <a:rPr lang="es-AR" sz="1400" u="none" strike="noStrike">
+                          <a:effectLst/>
+                        </a:rPr>
+                        <a:t>O(n)</a:t>
+                      </a:r>
+                      <a:endParaRPr lang="es-AR" sz="1400" b="0" i="0" u="none" strike="noStrike">
+                        <a:solidFill>
+                          <a:srgbClr val="000000"/>
+                        </a:solidFill>
+                        <a:effectLst/>
+                        <a:latin typeface="Aptos Narrow" panose="020B0004020202020204" pitchFamily="34" charset="0"/>
+                      </a:endParaRPr>
+                    </a:p>
+                  </a:txBody>
+                  <a:tcPr marL="5389" marR="5389" marT="5389" marB="0" anchor="b"/>
+                </a:tc>
+                <a:tc>
+                  <a:txBody>
+                    <a:bodyPr/>
+                    <a:lstStyle/>
+                    <a:p>
+                      <a:pPr algn="l" fontAlgn="b"/>
+                      <a:r>
+                        <a:rPr lang="es-AR" sz="1400" u="none" strike="noStrike">
+                          <a:effectLst/>
+                        </a:rPr>
+                        <a:t>O(n)</a:t>
+                      </a:r>
+                      <a:endParaRPr lang="es-AR" sz="1400" b="0" i="0" u="none" strike="noStrike">
+                        <a:solidFill>
+                          <a:srgbClr val="000000"/>
+                        </a:solidFill>
+                        <a:effectLst/>
+                        <a:latin typeface="Aptos Narrow" panose="020B0004020202020204" pitchFamily="34" charset="0"/>
+                      </a:endParaRPr>
+                    </a:p>
+                  </a:txBody>
+                  <a:tcPr marL="5389" marR="5389" marT="5389" marB="0" anchor="b"/>
+                </a:tc>
+                <a:tc>
+                  <a:txBody>
+                    <a:bodyPr/>
+                    <a:lstStyle/>
+                    <a:p>
+                      <a:pPr algn="l" fontAlgn="ctr"/>
+                      <a:r>
+                        <a:rPr lang="es-AR" sz="1400" u="none" strike="noStrike">
+                          <a:effectLst/>
+                        </a:rPr>
+                        <a:t>O(1)</a:t>
+                      </a:r>
+                      <a:endParaRPr lang="es-AR" sz="1400" b="0" i="0" u="none" strike="noStrike">
+                        <a:solidFill>
+                          <a:srgbClr val="000000"/>
+                        </a:solidFill>
+                        <a:effectLst/>
+                        <a:latin typeface="Aptos Narrow" panose="020B0004020202020204" pitchFamily="34" charset="0"/>
+                      </a:endParaRPr>
+                    </a:p>
+                  </a:txBody>
+                  <a:tcPr marL="5389" marR="5389" marT="5389" marB="0" anchor="ctr"/>
+                </a:tc>
+                <a:tc>
+                  <a:txBody>
+                    <a:bodyPr/>
+                    <a:lstStyle/>
+                    <a:p>
+                      <a:pPr algn="l" fontAlgn="b"/>
+                      <a:r>
+                        <a:rPr lang="es-AR" sz="1400" u="none" strike="noStrike">
+                          <a:effectLst/>
+                        </a:rPr>
+                        <a:t>LISTAS PEQUEÑAS O NO ORENADAS.</a:t>
+                      </a:r>
+                      <a:endParaRPr lang="es-AR" sz="1400" b="0" i="0" u="none" strike="noStrike">
+                        <a:solidFill>
+                          <a:srgbClr val="000000"/>
+                        </a:solidFill>
+                        <a:effectLst/>
+                        <a:latin typeface="Aptos Narrow" panose="020B0004020202020204" pitchFamily="34" charset="0"/>
+                      </a:endParaRPr>
+                    </a:p>
+                  </a:txBody>
+                  <a:tcPr marL="5389" marR="5389" marT="5389" marB="0" anchor="b"/>
+                </a:tc>
+                <a:extLst>
+                  <a:ext uri="{0D108BD9-81ED-4DB2-BD59-A6C34878D82A}">
+                    <a16:rowId xmlns:a16="http://schemas.microsoft.com/office/drawing/2014/main" val="4091486490"/>
+                  </a:ext>
+                </a:extLst>
+              </a:tr>
+              <a:tr h="597357">
+                <a:tc>
+                  <a:txBody>
+                    <a:bodyPr/>
+                    <a:lstStyle/>
+                    <a:p>
+                      <a:pPr algn="l" fontAlgn="b"/>
+                      <a:r>
+                        <a:rPr lang="es-AR" sz="1400" u="none" strike="noStrike">
+                          <a:effectLst/>
+                        </a:rPr>
+                        <a:t>BÚSQUEDA BINARIA</a:t>
+                      </a:r>
+                      <a:endParaRPr lang="es-AR" sz="1400" b="0" i="0" u="none" strike="noStrike">
+                        <a:solidFill>
+                          <a:srgbClr val="000000"/>
+                        </a:solidFill>
+                        <a:effectLst/>
+                        <a:latin typeface="Aptos Narrow" panose="020B0004020202020204" pitchFamily="34" charset="0"/>
+                      </a:endParaRPr>
+                    </a:p>
+                  </a:txBody>
+                  <a:tcPr marL="5389" marR="5389" marT="5389" marB="0" anchor="b"/>
+                </a:tc>
+                <a:tc>
+                  <a:txBody>
+                    <a:bodyPr/>
+                    <a:lstStyle/>
+                    <a:p>
+                      <a:pPr algn="l" fontAlgn="b"/>
+                      <a:r>
+                        <a:rPr lang="es-AR" sz="1400" u="none" strike="noStrike">
+                          <a:effectLst/>
+                        </a:rPr>
+                        <a:t>O(1)</a:t>
+                      </a:r>
+                      <a:endParaRPr lang="es-AR" sz="1400" b="0" i="0" u="none" strike="noStrike">
+                        <a:solidFill>
+                          <a:srgbClr val="000000"/>
+                        </a:solidFill>
+                        <a:effectLst/>
+                        <a:latin typeface="Aptos Narrow" panose="020B0004020202020204" pitchFamily="34" charset="0"/>
+                      </a:endParaRPr>
+                    </a:p>
+                  </a:txBody>
+                  <a:tcPr marL="5389" marR="5389" marT="5389" marB="0" anchor="b"/>
+                </a:tc>
+                <a:tc>
+                  <a:txBody>
+                    <a:bodyPr/>
+                    <a:lstStyle/>
+                    <a:p>
+                      <a:pPr algn="l" fontAlgn="b"/>
+                      <a:r>
+                        <a:rPr lang="es-AR" sz="1400" u="none" strike="noStrike">
+                          <a:effectLst/>
+                        </a:rPr>
+                        <a:t>O(log n)</a:t>
+                      </a:r>
+                      <a:endParaRPr lang="es-AR" sz="1400" b="0" i="0" u="none" strike="noStrike">
+                        <a:solidFill>
+                          <a:srgbClr val="000000"/>
+                        </a:solidFill>
+                        <a:effectLst/>
+                        <a:latin typeface="Aptos Narrow" panose="020B0004020202020204" pitchFamily="34" charset="0"/>
+                      </a:endParaRPr>
+                    </a:p>
+                  </a:txBody>
+                  <a:tcPr marL="5389" marR="5389" marT="5389" marB="0" anchor="b"/>
+                </a:tc>
+                <a:tc>
+                  <a:txBody>
+                    <a:bodyPr/>
+                    <a:lstStyle/>
+                    <a:p>
+                      <a:pPr algn="l" fontAlgn="b"/>
+                      <a:r>
+                        <a:rPr lang="es-AR" sz="1400" u="none" strike="noStrike">
+                          <a:effectLst/>
+                        </a:rPr>
+                        <a:t>O(log n)</a:t>
+                      </a:r>
+                      <a:endParaRPr lang="es-AR" sz="1400" b="0" i="0" u="none" strike="noStrike">
+                        <a:solidFill>
+                          <a:srgbClr val="000000"/>
+                        </a:solidFill>
+                        <a:effectLst/>
+                        <a:latin typeface="Aptos Narrow" panose="020B0004020202020204" pitchFamily="34" charset="0"/>
+                      </a:endParaRPr>
+                    </a:p>
+                  </a:txBody>
+                  <a:tcPr marL="5389" marR="5389" marT="5389" marB="0" anchor="b"/>
+                </a:tc>
+                <a:tc>
+                  <a:txBody>
+                    <a:bodyPr/>
+                    <a:lstStyle/>
+                    <a:p>
+                      <a:pPr algn="l" fontAlgn="ctr"/>
+                      <a:r>
+                        <a:rPr lang="es-AR" sz="1400" u="none" strike="noStrike">
+                          <a:effectLst/>
+                        </a:rPr>
+                        <a:t>O(1)</a:t>
+                      </a:r>
+                      <a:endParaRPr lang="es-AR" sz="1400" b="0" i="0" u="none" strike="noStrike">
+                        <a:solidFill>
+                          <a:srgbClr val="000000"/>
+                        </a:solidFill>
+                        <a:effectLst/>
+                        <a:latin typeface="Aptos Narrow" panose="020B0004020202020204" pitchFamily="34" charset="0"/>
+                      </a:endParaRPr>
+                    </a:p>
+                  </a:txBody>
+                  <a:tcPr marL="5389" marR="5389" marT="5389" marB="0" anchor="ctr"/>
+                </a:tc>
+                <a:tc>
+                  <a:txBody>
+                    <a:bodyPr/>
+                    <a:lstStyle/>
+                    <a:p>
+                      <a:pPr algn="l" fontAlgn="b"/>
+                      <a:r>
+                        <a:rPr lang="es-AR" sz="1400" u="none" strike="noStrike" dirty="0">
+                          <a:effectLst/>
+                        </a:rPr>
+                        <a:t>LISTAS GRANDES ORDENADAS.</a:t>
+                      </a:r>
+                      <a:endParaRPr lang="es-AR" sz="1400" b="0" i="0" u="none" strike="noStrike" dirty="0">
+                        <a:solidFill>
+                          <a:srgbClr val="000000"/>
+                        </a:solidFill>
+                        <a:effectLst/>
+                        <a:latin typeface="Aptos Narrow" panose="020B0004020202020204" pitchFamily="34" charset="0"/>
+                      </a:endParaRPr>
+                    </a:p>
+                  </a:txBody>
+                  <a:tcPr marL="5389" marR="5389" marT="5389" marB="0" anchor="b"/>
+                </a:tc>
+                <a:extLst>
+                  <a:ext uri="{0D108BD9-81ED-4DB2-BD59-A6C34878D82A}">
+                    <a16:rowId xmlns:a16="http://schemas.microsoft.com/office/drawing/2014/main" val="2475464107"/>
+                  </a:ext>
+                </a:extLst>
+              </a:tr>
+            </a:tbl>
+          </a:graphicData>
+        </a:graphic>
+      </p:graphicFrame>
     </p:spTree>
     <p:extLst>
       <p:ext uri="{BB962C8B-B14F-4D97-AF65-F5344CB8AC3E}">
-        <p14:creationId xmlns:p14="http://schemas.microsoft.com/office/powerpoint/2010/main" val="2039059756"/>
+        <p14:creationId xmlns:p14="http://schemas.microsoft.com/office/powerpoint/2010/main" val="888484295"/>
       </p:ext>
     </p:extLst>
   </p:cSld>
@@ -14015,12 +14748,12 @@
         <p:spPr>
           <a:xfrm>
             <a:off x="594360" y="2676524"/>
-            <a:ext cx="4651895" cy="2223399"/>
+            <a:ext cx="4651895" cy="3485125"/>
           </a:xfrm>
         </p:spPr>
         <p:txBody>
           <a:bodyPr rtlCol="0">
-            <a:normAutofit fontScale="85000" lnSpcReduction="20000"/>
+            <a:normAutofit fontScale="92500" lnSpcReduction="20000"/>
           </a:bodyPr>
           <a:lstStyle>
             <a:defPPr>
@@ -14028,29 +14761,71 @@
             </a:defPPr>
           </a:lstStyle>
           <a:p>
+            <a:pPr>
+              <a:lnSpc>
+                <a:spcPct val="115000"/>
+              </a:lnSpc>
+            </a:pPr>
+            <a:r>
+              <a:rPr lang="es-419" sz="1800" dirty="0">
+                <a:effectLst/>
+                <a:latin typeface="Arial" panose="020B0604020202020204" pitchFamily="34" charset="0"/>
+                <a:ea typeface="Arial" panose="020B0604020202020204" pitchFamily="34" charset="0"/>
+              </a:rPr>
+              <a:t>-Los algoritmos de búsqueda y ordenamiento son pilares esenciales en el campo de la informática, ya que permiten organizar y acceder eficientemente a grandes volúmenes de datos.</a:t>
+            </a:r>
+          </a:p>
+          <a:p>
+            <a:pPr>
+              <a:lnSpc>
+                <a:spcPct val="115000"/>
+              </a:lnSpc>
+            </a:pPr>
+            <a:r>
+              <a:rPr lang="es-419" sz="1800" dirty="0">
+                <a:effectLst/>
+                <a:latin typeface="Arial" panose="020B0604020202020204" pitchFamily="34" charset="0"/>
+                <a:ea typeface="Arial" panose="020B0604020202020204" pitchFamily="34" charset="0"/>
+              </a:rPr>
+              <a:t>-Su correcta implementación impacta directamente en el rendimiento de sistemas, aplicaciones y procesos</a:t>
+            </a:r>
+          </a:p>
+          <a:p>
+            <a:pPr>
+              <a:lnSpc>
+                <a:spcPct val="115000"/>
+              </a:lnSpc>
+            </a:pPr>
+            <a:r>
+              <a:rPr lang="es-419" sz="1800" dirty="0">
+                <a:latin typeface="Arial" panose="020B0604020202020204" pitchFamily="34" charset="0"/>
+                <a:ea typeface="Arial" panose="020B0604020202020204" pitchFamily="34" charset="0"/>
+              </a:rPr>
+              <a:t>-</a:t>
+            </a:r>
+            <a:r>
+              <a:rPr lang="es-419" sz="1800" dirty="0">
+                <a:effectLst/>
+                <a:latin typeface="Arial" panose="020B0604020202020204" pitchFamily="34" charset="0"/>
+                <a:ea typeface="Arial" panose="020B0604020202020204" pitchFamily="34" charset="0"/>
+              </a:rPr>
+              <a:t>Comprender su funcionamiento y saber cuándo aplicar cada uno es clave para desarrollar soluciones informáticas eficientes, escalables y robustas.</a:t>
+            </a:r>
+            <a:endParaRPr lang="es-AR" sz="1800" dirty="0">
+              <a:effectLst/>
+              <a:latin typeface="Arial" panose="020B0604020202020204" pitchFamily="34" charset="0"/>
+              <a:ea typeface="Arial" panose="020B0604020202020204" pitchFamily="34" charset="0"/>
+            </a:endParaRPr>
+          </a:p>
+          <a:p>
             <a:pPr rtl="0"/>
-            <a:r>
-              <a:rPr lang="es-ES" sz="2400">
-                <a:solidFill>
-                  <a:schemeClr val="tx2">
-                    <a:lumMod val="75000"/>
-                  </a:schemeClr>
-                </a:solidFill>
-              </a:rPr>
-              <a:t>Docker nos permitió predefinir un entorno idóneo para que el programa se ejecute sin problemas pudiendo correr en diferentes sistemas así evitando errores de incompatibilidad o por falta de librerías.</a:t>
-            </a:r>
-          </a:p>
-          <a:p>
-            <a:r>
-              <a:rPr lang="es-ES" sz="2400">
-                <a:solidFill>
-                  <a:schemeClr val="tx2">
-                    <a:lumMod val="75000"/>
-                  </a:schemeClr>
-                </a:solidFill>
-              </a:rPr>
-              <a:t>Como resultado del trabajo logramos una solución portable, fácil de desplegar y que no depende de configuraciones externas.</a:t>
-            </a:r>
+            <a:endParaRPr lang="es-ES" sz="2400" dirty="0">
+              <a:solidFill>
+                <a:schemeClr val="tx2">
+                  <a:lumMod val="75000"/>
+                </a:schemeClr>
+              </a:solidFill>
+            </a:endParaRPr>
           </a:p>
         </p:txBody>
       </p:sp>
@@ -14078,7 +14853,7 @@
         </p:spPr>
         <p:txBody>
           <a:bodyPr rtlCol="0">
-            <a:normAutofit fontScale="70000" lnSpcReduction="20000"/>
+            <a:normAutofit fontScale="92500" lnSpcReduction="20000"/>
           </a:bodyPr>
           <a:lstStyle>
             <a:defPPr>
@@ -14088,108 +14863,53 @@
           <a:p>
             <a:pPr rtl="0"/>
             <a:r>
-              <a:rPr lang="es-ES" sz="2400" b="1" dirty="0">
-                <a:solidFill>
-                  <a:schemeClr val="tx2">
-                    <a:lumMod val="75000"/>
-                  </a:schemeClr>
-                </a:solidFill>
-              </a:rPr>
+              <a:rPr lang="es-ES" sz="2400" b="1" dirty="0"/>
               <a:t>Logramos:</a:t>
             </a:r>
           </a:p>
           <a:p>
-            <a:pPr marL="342900" indent="-342900" rtl="0">
-              <a:buFont typeface="Wingdings" panose="05000000000000000000" pitchFamily="2" charset="2"/>
-              <a:buChar char="q"/>
-            </a:pPr>
-            <a:r>
-              <a:rPr lang="es-ES" sz="2400" dirty="0" err="1">
-                <a:solidFill>
-                  <a:schemeClr val="tx2">
-                    <a:lumMod val="75000"/>
-                  </a:schemeClr>
-                </a:solidFill>
-              </a:rPr>
-              <a:t>Contenerizar</a:t>
-            </a:r>
-            <a:r>
-              <a:rPr lang="es-ES" sz="2400" dirty="0">
-                <a:solidFill>
-                  <a:schemeClr val="tx2">
-                    <a:lumMod val="75000"/>
-                  </a:schemeClr>
-                </a:solidFill>
-              </a:rPr>
-              <a:t> correctamente dos servicios: la base de datos PostgreSQL y la aplicación Python.</a:t>
-            </a:r>
-          </a:p>
-          <a:p>
-            <a:pPr marL="342900" indent="-342900" rtl="0">
-              <a:buFont typeface="Wingdings" panose="05000000000000000000" pitchFamily="2" charset="2"/>
-              <a:buChar char="q"/>
-            </a:pPr>
-            <a:r>
-              <a:rPr lang="es-ES" sz="2400" dirty="0">
-                <a:solidFill>
-                  <a:schemeClr val="tx2">
-                    <a:lumMod val="75000"/>
-                  </a:schemeClr>
-                </a:solidFill>
-              </a:rPr>
-              <a:t>Conectar exitosamente ambos contenedores para poder interactuar la base de datos.</a:t>
-            </a:r>
-          </a:p>
-          <a:p>
-            <a:pPr marL="342900" indent="-342900" rtl="0">
-              <a:buFont typeface="Wingdings" panose="05000000000000000000" pitchFamily="2" charset="2"/>
-              <a:buChar char="q"/>
-            </a:pPr>
-            <a:r>
-              <a:rPr lang="es-ES" sz="2400" dirty="0">
-                <a:solidFill>
-                  <a:schemeClr val="tx2">
-                    <a:lumMod val="75000"/>
-                  </a:schemeClr>
-                </a:solidFill>
-              </a:rPr>
-              <a:t> Que la información persista gracias al uso de volúmenes.</a:t>
-            </a:r>
-          </a:p>
-          <a:p>
-            <a:pPr marL="342900" indent="-342900" rtl="0">
-              <a:buFont typeface="Wingdings" panose="05000000000000000000" pitchFamily="2" charset="2"/>
-              <a:buChar char="q"/>
-            </a:pPr>
-            <a:r>
-              <a:rPr lang="es-ES" sz="2400" dirty="0">
-                <a:solidFill>
-                  <a:schemeClr val="tx2">
-                    <a:lumMod val="75000"/>
-                  </a:schemeClr>
-                </a:solidFill>
-              </a:rPr>
-              <a:t>Automatizar y simplificar la ejecución del proyecto gracias a Docker </a:t>
-            </a:r>
-            <a:r>
-              <a:rPr lang="es-ES" sz="2400" dirty="0" err="1">
-                <a:solidFill>
-                  <a:schemeClr val="tx2">
-                    <a:lumMod val="75000"/>
-                  </a:schemeClr>
-                </a:solidFill>
-              </a:rPr>
-              <a:t>Compose</a:t>
-            </a:r>
-            <a:r>
-              <a:rPr lang="es-ES" sz="2400" dirty="0">
-                <a:solidFill>
-                  <a:schemeClr val="tx2">
-                    <a:lumMod val="75000"/>
-                  </a:schemeClr>
-                </a:solidFill>
-              </a:rPr>
-              <a:t>.</a:t>
+            <a:pPr rtl="0"/>
+            <a:r>
+              <a:rPr lang="es-ES" sz="2400" dirty="0"/>
+              <a:t>-Definir conceptos claves y la importancia de los algoritmos.</a:t>
+            </a:r>
+          </a:p>
+          <a:p>
+            <a:pPr rtl="0"/>
+            <a:r>
+              <a:rPr lang="es-ES" sz="2400" dirty="0"/>
+              <a:t>-Pudimos desarrollar una aplicación que integra </a:t>
+            </a:r>
+            <a:r>
+              <a:rPr lang="es-ES" sz="2400" dirty="0" err="1"/>
+              <a:t>algortimos</a:t>
+            </a:r>
+            <a:r>
+              <a:rPr lang="es-ES" sz="2400" dirty="0"/>
+              <a:t> de </a:t>
+            </a:r>
+            <a:r>
+              <a:rPr lang="es-ES" sz="2400" dirty="0" err="1"/>
+              <a:t>buqueda</a:t>
+            </a:r>
+            <a:r>
+              <a:rPr lang="es-ES" sz="2400" dirty="0"/>
+              <a:t> y ordenamiento.</a:t>
+            </a:r>
+          </a:p>
+          <a:p>
+            <a:pPr rtl="0"/>
+            <a:r>
+              <a:rPr lang="es-ES" sz="2400" dirty="0"/>
+              <a:t>-Pudimos demostrar empíricamente el impacto en </a:t>
+            </a:r>
+            <a:r>
+              <a:rPr lang="es-ES" sz="2400" dirty="0" err="1"/>
+              <a:t>perfomance</a:t>
+            </a:r>
+            <a:r>
+              <a:rPr lang="es-ES" sz="2400" dirty="0"/>
+              <a:t> entre diferentes algoritmos de ordenamiento.</a:t>
             </a:r>
           </a:p>
           <a:p>
@@ -14201,7 +14921,7 @@
     </p:spTree>
     <p:extLst>
       <p:ext uri="{BB962C8B-B14F-4D97-AF65-F5344CB8AC3E}">
-        <p14:creationId xmlns:p14="http://schemas.microsoft.com/office/powerpoint/2010/main" val="888484295"/>
+        <p14:creationId xmlns:p14="http://schemas.microsoft.com/office/powerpoint/2010/main" val="1135758004"/>
       </p:ext>
     </p:extLst>
   </p:cSld>
